--- a/assets/slides/Semana5.pptx
+++ b/assets/slides/Semana5.pptx
@@ -12,15 +12,15 @@
     <p:sldId id="275" r:id="rId6"/>
     <p:sldId id="274" r:id="rId7"/>
     <p:sldId id="276" r:id="rId8"/>
-    <p:sldId id="267" r:id="rId9"/>
-    <p:sldId id="262" r:id="rId10"/>
-    <p:sldId id="263" r:id="rId11"/>
-    <p:sldId id="264" r:id="rId12"/>
-    <p:sldId id="265" r:id="rId13"/>
-    <p:sldId id="280" r:id="rId14"/>
-    <p:sldId id="281" r:id="rId15"/>
-    <p:sldId id="268" r:id="rId16"/>
-    <p:sldId id="272" r:id="rId17"/>
+    <p:sldId id="294" r:id="rId9"/>
+    <p:sldId id="267" r:id="rId10"/>
+    <p:sldId id="262" r:id="rId11"/>
+    <p:sldId id="263" r:id="rId12"/>
+    <p:sldId id="264" r:id="rId13"/>
+    <p:sldId id="265" r:id="rId14"/>
+    <p:sldId id="280" r:id="rId15"/>
+    <p:sldId id="281" r:id="rId16"/>
+    <p:sldId id="268" r:id="rId17"/>
     <p:sldId id="282" r:id="rId18"/>
     <p:sldId id="269" r:id="rId19"/>
     <p:sldId id="270" r:id="rId20"/>
@@ -138,6 +138,11 @@
       </a:defRPr>
     </a:lvl9pPr>
   </p:defaultTextStyle>
+  <p:extLst>
+    <p:ext uri="{EFAFB233-063F-42B5-8137-9DF3F51BA10A}">
+      <p15:sldGuideLst xmlns:p15="http://schemas.microsoft.com/office/powerpoint/2012/main"/>
+    </p:ext>
+  </p:extLst>
 </p:presentation>
 </file>
 
@@ -290,7 +295,7 @@
           <a:p>
             <a:fld id="{30A9D7E2-EE40-7542-B7E6-1B8D5C50A777}" type="datetimeFigureOut">
               <a:rPr lang="en-BR" smtClean="0"/>
-              <a:t>21/08/24</a:t>
+              <a:t>02/11/24</a:t>
             </a:fld>
             <a:endParaRPr lang="en-BR"/>
           </a:p>
@@ -490,7 +495,7 @@
           <a:p>
             <a:fld id="{30A9D7E2-EE40-7542-B7E6-1B8D5C50A777}" type="datetimeFigureOut">
               <a:rPr lang="en-BR" smtClean="0"/>
-              <a:t>21/08/24</a:t>
+              <a:t>02/11/24</a:t>
             </a:fld>
             <a:endParaRPr lang="en-BR"/>
           </a:p>
@@ -700,7 +705,7 @@
           <a:p>
             <a:fld id="{30A9D7E2-EE40-7542-B7E6-1B8D5C50A777}" type="datetimeFigureOut">
               <a:rPr lang="en-BR" smtClean="0"/>
-              <a:t>21/08/24</a:t>
+              <a:t>02/11/24</a:t>
             </a:fld>
             <a:endParaRPr lang="en-BR"/>
           </a:p>
@@ -900,7 +905,7 @@
           <a:p>
             <a:fld id="{30A9D7E2-EE40-7542-B7E6-1B8D5C50A777}" type="datetimeFigureOut">
               <a:rPr lang="en-BR" smtClean="0"/>
-              <a:t>21/08/24</a:t>
+              <a:t>02/11/24</a:t>
             </a:fld>
             <a:endParaRPr lang="en-BR"/>
           </a:p>
@@ -1176,7 +1181,7 @@
           <a:p>
             <a:fld id="{30A9D7E2-EE40-7542-B7E6-1B8D5C50A777}" type="datetimeFigureOut">
               <a:rPr lang="en-BR" smtClean="0"/>
-              <a:t>21/08/24</a:t>
+              <a:t>02/11/24</a:t>
             </a:fld>
             <a:endParaRPr lang="en-BR"/>
           </a:p>
@@ -1444,7 +1449,7 @@
           <a:p>
             <a:fld id="{30A9D7E2-EE40-7542-B7E6-1B8D5C50A777}" type="datetimeFigureOut">
               <a:rPr lang="en-BR" smtClean="0"/>
-              <a:t>21/08/24</a:t>
+              <a:t>02/11/24</a:t>
             </a:fld>
             <a:endParaRPr lang="en-BR"/>
           </a:p>
@@ -1859,7 +1864,7 @@
           <a:p>
             <a:fld id="{30A9D7E2-EE40-7542-B7E6-1B8D5C50A777}" type="datetimeFigureOut">
               <a:rPr lang="en-BR" smtClean="0"/>
-              <a:t>21/08/24</a:t>
+              <a:t>02/11/24</a:t>
             </a:fld>
             <a:endParaRPr lang="en-BR"/>
           </a:p>
@@ -2001,7 +2006,7 @@
           <a:p>
             <a:fld id="{30A9D7E2-EE40-7542-B7E6-1B8D5C50A777}" type="datetimeFigureOut">
               <a:rPr lang="en-BR" smtClean="0"/>
-              <a:t>21/08/24</a:t>
+              <a:t>02/11/24</a:t>
             </a:fld>
             <a:endParaRPr lang="en-BR"/>
           </a:p>
@@ -2114,7 +2119,7 @@
           <a:p>
             <a:fld id="{30A9D7E2-EE40-7542-B7E6-1B8D5C50A777}" type="datetimeFigureOut">
               <a:rPr lang="en-BR" smtClean="0"/>
-              <a:t>21/08/24</a:t>
+              <a:t>02/11/24</a:t>
             </a:fld>
             <a:endParaRPr lang="en-BR"/>
           </a:p>
@@ -2427,7 +2432,7 @@
           <a:p>
             <a:fld id="{30A9D7E2-EE40-7542-B7E6-1B8D5C50A777}" type="datetimeFigureOut">
               <a:rPr lang="en-BR" smtClean="0"/>
-              <a:t>21/08/24</a:t>
+              <a:t>02/11/24</a:t>
             </a:fld>
             <a:endParaRPr lang="en-BR"/>
           </a:p>
@@ -2716,7 +2721,7 @@
           <a:p>
             <a:fld id="{30A9D7E2-EE40-7542-B7E6-1B8D5C50A777}" type="datetimeFigureOut">
               <a:rPr lang="en-BR" smtClean="0"/>
-              <a:t>21/08/24</a:t>
+              <a:t>02/11/24</a:t>
             </a:fld>
             <a:endParaRPr lang="en-BR"/>
           </a:p>
@@ -2959,7 +2964,7 @@
           <a:p>
             <a:fld id="{30A9D7E2-EE40-7542-B7E6-1B8D5C50A777}" type="datetimeFigureOut">
               <a:rPr lang="en-BR" smtClean="0"/>
-              <a:t>21/08/24</a:t>
+              <a:t>02/11/24</a:t>
             </a:fld>
             <a:endParaRPr lang="en-BR"/>
           </a:p>
@@ -3502,8 +3507,8 @@
         </p:nvSpPr>
         <p:spPr>
           <a:xfrm>
-            <a:off x="4042809" y="3205862"/>
-            <a:ext cx="4106381" cy="446276"/>
+            <a:off x="3399555" y="996062"/>
+            <a:ext cx="5460597" cy="446276"/>
           </a:xfrm>
           <a:prstGeom prst="rect">
             <a:avLst/>
@@ -3517,438 +3522,63 @@
           <a:lstStyle/>
           <a:p>
             <a:r>
-              <a:rPr lang="en-BR" sz="2300" dirty="0"/>
-              <a:t>RPO: Recovery Point Objective </a:t>
+              <a:rPr lang="en-BR" sz="2300" b="1" dirty="0"/>
+              <a:t>Estratégias de recuperação de desastre</a:t>
             </a:r>
           </a:p>
         </p:txBody>
       </p:sp>
-      <p:sp>
-        <p:nvSpPr>
-          <p:cNvPr id="4" name="TextBox 3">
+      <p:pic>
+        <p:nvPicPr>
+          <p:cNvPr id="3074" name="Picture 2" descr="Data loss is measured from most recent backup (your recovery point) to the point of disaster. Downtime is measured from the point of disaster until the target is fully recovered and available for service.">
             <a:extLst>
               <a:ext uri="{FF2B5EF4-FFF2-40B4-BE49-F238E27FC236}">
-                <a16:creationId xmlns:a16="http://schemas.microsoft.com/office/drawing/2014/main" id="{7B7A7E55-EA03-46C2-9509-42680EAC482E}"/>
+                <a16:creationId xmlns:a16="http://schemas.microsoft.com/office/drawing/2014/main" id="{A62EC7B6-5ED8-A059-D8DA-7F68F0C3955B}"/>
               </a:ext>
             </a:extLst>
           </p:cNvPr>
-          <p:cNvSpPr txBox="1"/>
+          <p:cNvPicPr>
+            <a:picLocks noChangeAspect="1" noChangeArrowheads="1"/>
+          </p:cNvPicPr>
           <p:nvPr/>
-        </p:nvSpPr>
-        <p:spPr>
+        </p:nvPicPr>
+        <p:blipFill>
+          <a:blip r:embed="rId2">
+            <a:extLst>
+              <a:ext uri="{28A0092B-C50C-407E-A947-70E740481C1C}">
+                <a14:useLocalDpi xmlns:a14="http://schemas.microsoft.com/office/drawing/2010/main" val="0"/>
+              </a:ext>
+            </a:extLst>
+          </a:blip>
+          <a:srcRect/>
+          <a:stretch>
+            <a:fillRect/>
+          </a:stretch>
+        </p:blipFill>
+        <p:spPr bwMode="auto">
           <a:xfrm>
-            <a:off x="1574799" y="4953000"/>
-            <a:ext cx="9042400" cy="923330"/>
+            <a:off x="2184400" y="2336800"/>
+            <a:ext cx="7620000" cy="3200400"/>
           </a:xfrm>
           <a:prstGeom prst="rect">
             <a:avLst/>
           </a:prstGeom>
           <a:noFill/>
+          <a:extLst>
+            <a:ext uri="{909E8E84-426E-40DD-AFC4-6F175D3DCCD1}">
+              <a14:hiddenFill xmlns:a14="http://schemas.microsoft.com/office/drawing/2010/main">
+                <a:solidFill>
+                  <a:srgbClr val="FFFFFF"/>
+                </a:solidFill>
+              </a14:hiddenFill>
+            </a:ext>
+          </a:extLst>
         </p:spPr>
-        <p:txBody>
-          <a:bodyPr wrap="square" rtlCol="0">
-            <a:spAutoFit/>
-          </a:bodyPr>
-          <a:lstStyle/>
-          <a:p>
-            <a:r>
-              <a:rPr lang="en-US" b="0" i="0" u="none" strike="noStrike" dirty="0">
-                <a:solidFill>
-                  <a:srgbClr val="333333"/>
-                </a:solidFill>
-                <a:effectLst/>
-                <a:latin typeface="AmazonEmber"/>
-              </a:rPr>
-              <a:t>RPO, </a:t>
-            </a:r>
-            <a:r>
-              <a:rPr lang="en-US" b="0" i="0" u="none" strike="noStrike" dirty="0" err="1">
-                <a:solidFill>
-                  <a:srgbClr val="333333"/>
-                </a:solidFill>
-                <a:effectLst/>
-                <a:latin typeface="AmazonEmber"/>
-              </a:rPr>
-              <a:t>ou</a:t>
-            </a:r>
-            <a:r>
-              <a:rPr lang="en-US" b="0" i="0" u="none" strike="noStrike" dirty="0">
-                <a:solidFill>
-                  <a:srgbClr val="333333"/>
-                </a:solidFill>
-                <a:effectLst/>
-                <a:latin typeface="AmazonEmber"/>
-              </a:rPr>
-              <a:t> Recovery Point Objective, </a:t>
-            </a:r>
-            <a:r>
-              <a:rPr lang="en-US" b="0" i="0" u="none" strike="noStrike" dirty="0" err="1">
-                <a:solidFill>
-                  <a:srgbClr val="333333"/>
-                </a:solidFill>
-                <a:effectLst/>
-                <a:latin typeface="AmazonEmber"/>
-              </a:rPr>
-              <a:t>refere</a:t>
-            </a:r>
-            <a:r>
-              <a:rPr lang="en-US" b="0" i="0" u="none" strike="noStrike" dirty="0">
-                <a:solidFill>
-                  <a:srgbClr val="333333"/>
-                </a:solidFill>
-                <a:effectLst/>
-                <a:latin typeface="AmazonEmber"/>
-              </a:rPr>
-              <a:t>-se a quanta </a:t>
-            </a:r>
-            <a:r>
-              <a:rPr lang="en-US" b="0" i="0" u="none" strike="noStrike" dirty="0" err="1">
-                <a:solidFill>
-                  <a:srgbClr val="333333"/>
-                </a:solidFill>
-                <a:effectLst/>
-                <a:latin typeface="AmazonEmber"/>
-              </a:rPr>
-              <a:t>perda</a:t>
-            </a:r>
-            <a:r>
-              <a:rPr lang="en-US" b="0" i="0" u="none" strike="noStrike" dirty="0">
-                <a:solidFill>
-                  <a:srgbClr val="333333"/>
-                </a:solidFill>
-                <a:effectLst/>
-                <a:latin typeface="AmazonEmber"/>
-              </a:rPr>
-              <a:t> de dados </a:t>
-            </a:r>
-            <a:r>
-              <a:rPr lang="en-US" b="0" i="0" u="none" strike="noStrike" dirty="0" err="1">
-                <a:solidFill>
-                  <a:srgbClr val="333333"/>
-                </a:solidFill>
-                <a:effectLst/>
-                <a:latin typeface="AmazonEmber"/>
-              </a:rPr>
-              <a:t>seu</a:t>
-            </a:r>
-            <a:r>
-              <a:rPr lang="en-US" b="0" i="0" u="none" strike="noStrike" dirty="0">
-                <a:solidFill>
-                  <a:srgbClr val="333333"/>
-                </a:solidFill>
-                <a:effectLst/>
-                <a:latin typeface="AmazonEmber"/>
-              </a:rPr>
-              <a:t> </a:t>
-            </a:r>
-            <a:r>
-              <a:rPr lang="en-US" b="0" i="0" u="none" strike="noStrike" dirty="0" err="1">
-                <a:solidFill>
-                  <a:srgbClr val="333333"/>
-                </a:solidFill>
-                <a:effectLst/>
-                <a:latin typeface="AmazonEmber"/>
-              </a:rPr>
-              <a:t>aplicativo</a:t>
-            </a:r>
-            <a:r>
-              <a:rPr lang="en-US" b="0" i="0" u="none" strike="noStrike" dirty="0">
-                <a:solidFill>
-                  <a:srgbClr val="333333"/>
-                </a:solidFill>
-                <a:effectLst/>
-                <a:latin typeface="AmazonEmber"/>
-              </a:rPr>
-              <a:t> </a:t>
-            </a:r>
-            <a:r>
-              <a:rPr lang="en-US" b="0" i="0" u="none" strike="noStrike" dirty="0" err="1">
-                <a:solidFill>
-                  <a:srgbClr val="333333"/>
-                </a:solidFill>
-                <a:effectLst/>
-                <a:latin typeface="AmazonEmber"/>
-              </a:rPr>
-              <a:t>pode</a:t>
-            </a:r>
-            <a:r>
-              <a:rPr lang="en-US" b="0" i="0" u="none" strike="noStrike" dirty="0">
-                <a:solidFill>
-                  <a:srgbClr val="333333"/>
-                </a:solidFill>
-                <a:effectLst/>
-                <a:latin typeface="AmazonEmber"/>
-              </a:rPr>
-              <a:t> </a:t>
-            </a:r>
-            <a:r>
-              <a:rPr lang="en-US" b="0" i="0" u="none" strike="noStrike" dirty="0" err="1">
-                <a:solidFill>
-                  <a:srgbClr val="333333"/>
-                </a:solidFill>
-                <a:effectLst/>
-                <a:latin typeface="AmazonEmber"/>
-              </a:rPr>
-              <a:t>tolerar</a:t>
-            </a:r>
-            <a:r>
-              <a:rPr lang="en-US" b="0" i="0" u="none" strike="noStrike" dirty="0">
-                <a:solidFill>
-                  <a:srgbClr val="333333"/>
-                </a:solidFill>
-                <a:effectLst/>
-                <a:latin typeface="AmazonEmber"/>
-              </a:rPr>
-              <a:t>. </a:t>
-            </a:r>
-            <a:r>
-              <a:rPr lang="en-US" b="0" i="0" u="none" strike="noStrike" dirty="0" err="1">
-                <a:solidFill>
-                  <a:srgbClr val="333333"/>
-                </a:solidFill>
-                <a:effectLst/>
-                <a:latin typeface="AmazonEmber"/>
-              </a:rPr>
-              <a:t>Outra</a:t>
-            </a:r>
-            <a:r>
-              <a:rPr lang="en-US" b="0" i="0" u="none" strike="noStrike" dirty="0">
-                <a:solidFill>
-                  <a:srgbClr val="333333"/>
-                </a:solidFill>
-                <a:effectLst/>
-                <a:latin typeface="AmazonEmber"/>
-              </a:rPr>
-              <a:t> </a:t>
-            </a:r>
-            <a:r>
-              <a:rPr lang="en-US" b="0" i="0" u="none" strike="noStrike" dirty="0" err="1">
-                <a:solidFill>
-                  <a:srgbClr val="333333"/>
-                </a:solidFill>
-                <a:effectLst/>
-                <a:latin typeface="AmazonEmber"/>
-              </a:rPr>
-              <a:t>maneira</a:t>
-            </a:r>
-            <a:r>
-              <a:rPr lang="en-US" b="0" i="0" u="none" strike="noStrike" dirty="0">
-                <a:solidFill>
-                  <a:srgbClr val="333333"/>
-                </a:solidFill>
-                <a:effectLst/>
-                <a:latin typeface="AmazonEmber"/>
-              </a:rPr>
-              <a:t> de </a:t>
-            </a:r>
-            <a:r>
-              <a:rPr lang="en-US" b="0" i="0" u="none" strike="noStrike" dirty="0" err="1">
-                <a:solidFill>
-                  <a:srgbClr val="333333"/>
-                </a:solidFill>
-                <a:effectLst/>
-                <a:latin typeface="AmazonEmber"/>
-              </a:rPr>
-              <a:t>pensar</a:t>
-            </a:r>
-            <a:r>
-              <a:rPr lang="en-US" b="0" i="0" u="none" strike="noStrike" dirty="0">
-                <a:solidFill>
-                  <a:srgbClr val="333333"/>
-                </a:solidFill>
-                <a:effectLst/>
-                <a:latin typeface="AmazonEmber"/>
-              </a:rPr>
-              <a:t> no RPO é </a:t>
-            </a:r>
-            <a:r>
-              <a:rPr lang="en-US" b="0" i="0" u="none" strike="noStrike" dirty="0" err="1">
-                <a:solidFill>
-                  <a:srgbClr val="333333"/>
-                </a:solidFill>
-                <a:effectLst/>
-                <a:latin typeface="AmazonEmber"/>
-              </a:rPr>
-              <a:t>quantos</a:t>
-            </a:r>
-            <a:r>
-              <a:rPr lang="en-US" b="0" i="0" u="none" strike="noStrike" dirty="0">
-                <a:solidFill>
-                  <a:srgbClr val="333333"/>
-                </a:solidFill>
-                <a:effectLst/>
-                <a:latin typeface="AmazonEmber"/>
-              </a:rPr>
-              <a:t> </a:t>
-            </a:r>
-            <a:r>
-              <a:rPr lang="en-US" b="0" i="0" u="none" strike="noStrike" dirty="0" err="1">
-                <a:solidFill>
-                  <a:srgbClr val="333333"/>
-                </a:solidFill>
-                <a:effectLst/>
-                <a:latin typeface="AmazonEmber"/>
-              </a:rPr>
-              <a:t>anos</a:t>
-            </a:r>
-            <a:r>
-              <a:rPr lang="en-US" b="0" i="0" u="none" strike="noStrike" dirty="0">
-                <a:solidFill>
-                  <a:srgbClr val="333333"/>
-                </a:solidFill>
-                <a:effectLst/>
-                <a:latin typeface="AmazonEmber"/>
-              </a:rPr>
-              <a:t> </a:t>
-            </a:r>
-            <a:r>
-              <a:rPr lang="en-US" b="0" i="0" u="none" strike="noStrike" dirty="0" err="1">
-                <a:solidFill>
-                  <a:srgbClr val="333333"/>
-                </a:solidFill>
-                <a:effectLst/>
-                <a:latin typeface="AmazonEmber"/>
-              </a:rPr>
-              <a:t>os</a:t>
-            </a:r>
-            <a:r>
-              <a:rPr lang="en-US" b="0" i="0" u="none" strike="noStrike" dirty="0">
-                <a:solidFill>
-                  <a:srgbClr val="333333"/>
-                </a:solidFill>
-                <a:effectLst/>
-                <a:latin typeface="AmazonEmber"/>
-              </a:rPr>
-              <a:t> dados </a:t>
-            </a:r>
-            <a:r>
-              <a:rPr lang="en-US" b="0" i="0" u="none" strike="noStrike" dirty="0" err="1">
-                <a:solidFill>
-                  <a:srgbClr val="333333"/>
-                </a:solidFill>
-                <a:effectLst/>
-                <a:latin typeface="AmazonEmber"/>
-              </a:rPr>
-              <a:t>podem</a:t>
-            </a:r>
-            <a:r>
-              <a:rPr lang="en-US" b="0" i="0" u="none" strike="noStrike" dirty="0">
-                <a:solidFill>
-                  <a:srgbClr val="333333"/>
-                </a:solidFill>
-                <a:effectLst/>
-                <a:latin typeface="AmazonEmber"/>
-              </a:rPr>
-              <a:t> </a:t>
-            </a:r>
-            <a:r>
-              <a:rPr lang="en-US" b="0" i="0" u="none" strike="noStrike" dirty="0" err="1">
-                <a:solidFill>
-                  <a:srgbClr val="333333"/>
-                </a:solidFill>
-                <a:effectLst/>
-                <a:latin typeface="AmazonEmber"/>
-              </a:rPr>
-              <a:t>ter</a:t>
-            </a:r>
-            <a:r>
-              <a:rPr lang="en-US" b="0" i="0" u="none" strike="noStrike" dirty="0">
-                <a:solidFill>
-                  <a:srgbClr val="333333"/>
-                </a:solidFill>
-                <a:effectLst/>
-                <a:latin typeface="AmazonEmber"/>
-              </a:rPr>
-              <a:t> </a:t>
-            </a:r>
-            <a:r>
-              <a:rPr lang="en-US" b="0" i="0" u="none" strike="noStrike" dirty="0" err="1">
-                <a:solidFill>
-                  <a:srgbClr val="333333"/>
-                </a:solidFill>
-                <a:effectLst/>
-                <a:latin typeface="AmazonEmber"/>
-              </a:rPr>
-              <a:t>quando</a:t>
-            </a:r>
-            <a:r>
-              <a:rPr lang="en-US" b="0" i="0" u="none" strike="noStrike" dirty="0">
-                <a:solidFill>
-                  <a:srgbClr val="333333"/>
-                </a:solidFill>
-                <a:effectLst/>
-                <a:latin typeface="AmazonEmber"/>
-              </a:rPr>
-              <a:t> </a:t>
-            </a:r>
-            <a:r>
-              <a:rPr lang="en-US" b="0" i="0" u="none" strike="noStrike" dirty="0" err="1">
-                <a:solidFill>
-                  <a:srgbClr val="333333"/>
-                </a:solidFill>
-                <a:effectLst/>
-                <a:latin typeface="AmazonEmber"/>
-              </a:rPr>
-              <a:t>este</a:t>
-            </a:r>
-            <a:r>
-              <a:rPr lang="en-US" b="0" i="0" u="none" strike="noStrike" dirty="0">
-                <a:solidFill>
-                  <a:srgbClr val="333333"/>
-                </a:solidFill>
-                <a:effectLst/>
-                <a:latin typeface="AmazonEmber"/>
-              </a:rPr>
-              <a:t> </a:t>
-            </a:r>
-            <a:r>
-              <a:rPr lang="en-US" b="0" i="0" u="none" strike="noStrike" dirty="0" err="1">
-                <a:solidFill>
-                  <a:srgbClr val="333333"/>
-                </a:solidFill>
-                <a:effectLst/>
-                <a:latin typeface="AmazonEmber"/>
-              </a:rPr>
-              <a:t>aplicativo</a:t>
-            </a:r>
-            <a:r>
-              <a:rPr lang="en-US" b="0" i="0" u="none" strike="noStrike" dirty="0">
-                <a:solidFill>
-                  <a:srgbClr val="333333"/>
-                </a:solidFill>
-                <a:effectLst/>
-                <a:latin typeface="AmazonEmber"/>
-              </a:rPr>
-              <a:t> é </a:t>
-            </a:r>
-            <a:r>
-              <a:rPr lang="en-US" b="0" i="0" u="none" strike="noStrike" dirty="0" err="1">
-                <a:solidFill>
-                  <a:srgbClr val="333333"/>
-                </a:solidFill>
-                <a:effectLst/>
-                <a:latin typeface="AmazonEmber"/>
-              </a:rPr>
-              <a:t>recuperado</a:t>
-            </a:r>
-            <a:r>
-              <a:rPr lang="en-US" b="0" i="0" u="none" strike="noStrike" dirty="0">
-                <a:solidFill>
-                  <a:srgbClr val="333333"/>
-                </a:solidFill>
-                <a:effectLst/>
-                <a:latin typeface="AmazonEmber"/>
-              </a:rPr>
-              <a:t>?</a:t>
-            </a:r>
-            <a:endParaRPr lang="en-BR" dirty="0"/>
-          </a:p>
-        </p:txBody>
-      </p:sp>
+      </p:pic>
     </p:spTree>
     <p:extLst>
       <p:ext uri="{BB962C8B-B14F-4D97-AF65-F5344CB8AC3E}">
-        <p14:creationId xmlns:p14="http://schemas.microsoft.com/office/powerpoint/2010/main" val="1921610904"/>
+        <p14:creationId xmlns:p14="http://schemas.microsoft.com/office/powerpoint/2010/main" val="3719524393"/>
       </p:ext>
     </p:extLst>
   </p:cSld>
@@ -3989,8 +3619,8 @@
         </p:nvSpPr>
         <p:spPr>
           <a:xfrm>
-            <a:off x="4109046" y="3205862"/>
-            <a:ext cx="3973908" cy="446276"/>
+            <a:off x="3739172" y="663998"/>
+            <a:ext cx="4313040" cy="446276"/>
           </a:xfrm>
           <a:prstGeom prst="rect">
             <a:avLst/>
@@ -4004,7 +3634,706 @@
           <a:lstStyle/>
           <a:p>
             <a:r>
-              <a:rPr lang="en-BR" sz="2300" dirty="0"/>
+              <a:rPr lang="en-BR" sz="2300" b="1" dirty="0"/>
+              <a:t>RPO: Recovery Point Objective </a:t>
+            </a:r>
+          </a:p>
+        </p:txBody>
+      </p:sp>
+      <p:sp>
+        <p:nvSpPr>
+          <p:cNvPr id="4" name="TextBox 3">
+            <a:extLst>
+              <a:ext uri="{FF2B5EF4-FFF2-40B4-BE49-F238E27FC236}">
+                <a16:creationId xmlns:a16="http://schemas.microsoft.com/office/drawing/2014/main" id="{7B7A7E55-EA03-46C2-9509-42680EAC482E}"/>
+              </a:ext>
+            </a:extLst>
+          </p:cNvPr>
+          <p:cNvSpPr txBox="1"/>
+          <p:nvPr/>
+        </p:nvSpPr>
+        <p:spPr>
+          <a:xfrm>
+            <a:off x="1809691" y="1741230"/>
+            <a:ext cx="9042400" cy="1200329"/>
+          </a:xfrm>
+          <a:prstGeom prst="rect">
+            <a:avLst/>
+          </a:prstGeom>
+          <a:noFill/>
+        </p:spPr>
+        <p:txBody>
+          <a:bodyPr wrap="square" rtlCol="0">
+            <a:spAutoFit/>
+          </a:bodyPr>
+          <a:lstStyle/>
+          <a:p>
+            <a:r>
+              <a:rPr lang="en-US" b="0" i="0" u="none" strike="noStrike" dirty="0">
+                <a:solidFill>
+                  <a:srgbClr val="000000"/>
+                </a:solidFill>
+                <a:effectLst/>
+                <a:latin typeface="-webkit-standard"/>
+              </a:rPr>
+              <a:t>RPO, </a:t>
+            </a:r>
+            <a:r>
+              <a:rPr lang="en-US" b="0" i="0" u="none" strike="noStrike" dirty="0" err="1">
+                <a:solidFill>
+                  <a:srgbClr val="000000"/>
+                </a:solidFill>
+                <a:effectLst/>
+                <a:latin typeface="-webkit-standard"/>
+              </a:rPr>
+              <a:t>ou</a:t>
+            </a:r>
+            <a:r>
+              <a:rPr lang="en-US" b="0" i="0" u="none" strike="noStrike" dirty="0">
+                <a:solidFill>
+                  <a:srgbClr val="000000"/>
+                </a:solidFill>
+                <a:effectLst/>
+                <a:latin typeface="-webkit-standard"/>
+              </a:rPr>
+              <a:t> Recovery Point Objective, é a </a:t>
+            </a:r>
+            <a:r>
+              <a:rPr lang="en-US" b="0" i="0" u="none" strike="noStrike" dirty="0" err="1">
+                <a:solidFill>
+                  <a:srgbClr val="000000"/>
+                </a:solidFill>
+                <a:effectLst/>
+                <a:latin typeface="-webkit-standard"/>
+              </a:rPr>
+              <a:t>quantidade</a:t>
+            </a:r>
+            <a:r>
+              <a:rPr lang="en-US" b="0" i="0" u="none" strike="noStrike" dirty="0">
+                <a:solidFill>
+                  <a:srgbClr val="000000"/>
+                </a:solidFill>
+                <a:effectLst/>
+                <a:latin typeface="-webkit-standard"/>
+              </a:rPr>
+              <a:t> </a:t>
+            </a:r>
+            <a:r>
+              <a:rPr lang="en-US" b="0" i="0" u="none" strike="noStrike" dirty="0" err="1">
+                <a:solidFill>
+                  <a:srgbClr val="000000"/>
+                </a:solidFill>
+                <a:effectLst/>
+                <a:latin typeface="-webkit-standard"/>
+              </a:rPr>
+              <a:t>máxima</a:t>
+            </a:r>
+            <a:r>
+              <a:rPr lang="en-US" b="0" i="0" u="none" strike="noStrike" dirty="0">
+                <a:solidFill>
+                  <a:srgbClr val="000000"/>
+                </a:solidFill>
+                <a:effectLst/>
+                <a:latin typeface="-webkit-standard"/>
+              </a:rPr>
+              <a:t> de dados que </a:t>
+            </a:r>
+            <a:r>
+              <a:rPr lang="en-US" b="0" i="0" u="none" strike="noStrike" dirty="0" err="1">
+                <a:solidFill>
+                  <a:srgbClr val="000000"/>
+                </a:solidFill>
+                <a:effectLst/>
+                <a:latin typeface="-webkit-standard"/>
+              </a:rPr>
+              <a:t>sua</a:t>
+            </a:r>
+            <a:r>
+              <a:rPr lang="en-US" b="0" i="0" u="none" strike="noStrike" dirty="0">
+                <a:solidFill>
+                  <a:srgbClr val="000000"/>
+                </a:solidFill>
+                <a:effectLst/>
+                <a:latin typeface="-webkit-standard"/>
+              </a:rPr>
+              <a:t> </a:t>
+            </a:r>
+            <a:r>
+              <a:rPr lang="en-US" b="0" i="0" u="none" strike="noStrike" dirty="0" err="1">
+                <a:solidFill>
+                  <a:srgbClr val="000000"/>
+                </a:solidFill>
+                <a:effectLst/>
+                <a:latin typeface="-webkit-standard"/>
+              </a:rPr>
+              <a:t>aplicação</a:t>
+            </a:r>
+            <a:r>
+              <a:rPr lang="en-US" b="0" i="0" u="none" strike="noStrike" dirty="0">
+                <a:solidFill>
+                  <a:srgbClr val="000000"/>
+                </a:solidFill>
+                <a:effectLst/>
+                <a:latin typeface="-webkit-standard"/>
+              </a:rPr>
+              <a:t> </a:t>
+            </a:r>
+            <a:r>
+              <a:rPr lang="en-US" b="0" i="0" u="none" strike="noStrike" dirty="0" err="1">
+                <a:solidFill>
+                  <a:srgbClr val="000000"/>
+                </a:solidFill>
+                <a:effectLst/>
+                <a:latin typeface="-webkit-standard"/>
+              </a:rPr>
+              <a:t>pode</a:t>
+            </a:r>
+            <a:r>
+              <a:rPr lang="en-US" b="0" i="0" u="none" strike="noStrike" dirty="0">
+                <a:solidFill>
+                  <a:srgbClr val="000000"/>
+                </a:solidFill>
+                <a:effectLst/>
+                <a:latin typeface="-webkit-standard"/>
+              </a:rPr>
+              <a:t> </a:t>
+            </a:r>
+            <a:r>
+              <a:rPr lang="en-US" b="0" i="0" u="none" strike="noStrike" dirty="0" err="1">
+                <a:solidFill>
+                  <a:srgbClr val="000000"/>
+                </a:solidFill>
+                <a:effectLst/>
+                <a:latin typeface="-webkit-standard"/>
+              </a:rPr>
+              <a:t>perder</a:t>
+            </a:r>
+            <a:r>
+              <a:rPr lang="en-US" b="0" i="0" u="none" strike="noStrike" dirty="0">
+                <a:solidFill>
+                  <a:srgbClr val="000000"/>
+                </a:solidFill>
+                <a:effectLst/>
+                <a:latin typeface="-webkit-standard"/>
+              </a:rPr>
+              <a:t> </a:t>
+            </a:r>
+            <a:r>
+              <a:rPr lang="en-US" b="0" i="0" u="none" strike="noStrike" dirty="0" err="1">
+                <a:solidFill>
+                  <a:srgbClr val="000000"/>
+                </a:solidFill>
+                <a:effectLst/>
+                <a:latin typeface="-webkit-standard"/>
+              </a:rPr>
+              <a:t>sem</a:t>
+            </a:r>
+            <a:r>
+              <a:rPr lang="en-US" b="0" i="0" u="none" strike="noStrike" dirty="0">
+                <a:solidFill>
+                  <a:srgbClr val="000000"/>
+                </a:solidFill>
+                <a:effectLst/>
+                <a:latin typeface="-webkit-standard"/>
+              </a:rPr>
+              <a:t> </a:t>
+            </a:r>
+            <a:r>
+              <a:rPr lang="en-US" b="0" i="0" u="none" strike="noStrike" dirty="0" err="1">
+                <a:solidFill>
+                  <a:srgbClr val="000000"/>
+                </a:solidFill>
+                <a:effectLst/>
+                <a:latin typeface="-webkit-standard"/>
+              </a:rPr>
+              <a:t>causar</a:t>
+            </a:r>
+            <a:r>
+              <a:rPr lang="en-US" b="0" i="0" u="none" strike="noStrike" dirty="0">
+                <a:solidFill>
+                  <a:srgbClr val="000000"/>
+                </a:solidFill>
+                <a:effectLst/>
+                <a:latin typeface="-webkit-standard"/>
+              </a:rPr>
+              <a:t> </a:t>
+            </a:r>
+            <a:r>
+              <a:rPr lang="en-US" b="0" i="0" u="none" strike="noStrike" dirty="0" err="1">
+                <a:solidFill>
+                  <a:srgbClr val="000000"/>
+                </a:solidFill>
+                <a:effectLst/>
+                <a:latin typeface="-webkit-standard"/>
+              </a:rPr>
+              <a:t>grandes</a:t>
+            </a:r>
+            <a:r>
+              <a:rPr lang="en-US" b="0" i="0" u="none" strike="noStrike" dirty="0">
+                <a:solidFill>
+                  <a:srgbClr val="000000"/>
+                </a:solidFill>
+                <a:effectLst/>
+                <a:latin typeface="-webkit-standard"/>
+              </a:rPr>
+              <a:t> </a:t>
+            </a:r>
+            <a:r>
+              <a:rPr lang="en-US" b="0" i="0" u="none" strike="noStrike" dirty="0" err="1">
+                <a:solidFill>
+                  <a:srgbClr val="000000"/>
+                </a:solidFill>
+                <a:effectLst/>
+                <a:latin typeface="-webkit-standard"/>
+              </a:rPr>
+              <a:t>impactos</a:t>
+            </a:r>
+            <a:r>
+              <a:rPr lang="en-US" b="0" i="0" u="none" strike="noStrike" dirty="0">
+                <a:solidFill>
+                  <a:srgbClr val="000000"/>
+                </a:solidFill>
+                <a:effectLst/>
+                <a:latin typeface="-webkit-standard"/>
+              </a:rPr>
+              <a:t>. Em </a:t>
+            </a:r>
+            <a:r>
+              <a:rPr lang="en-US" b="0" i="0" u="none" strike="noStrike" dirty="0" err="1">
+                <a:solidFill>
+                  <a:srgbClr val="000000"/>
+                </a:solidFill>
+                <a:effectLst/>
+                <a:latin typeface="-webkit-standard"/>
+              </a:rPr>
+              <a:t>outras</a:t>
+            </a:r>
+            <a:r>
+              <a:rPr lang="en-US" b="0" i="0" u="none" strike="noStrike" dirty="0">
+                <a:solidFill>
+                  <a:srgbClr val="000000"/>
+                </a:solidFill>
+                <a:effectLst/>
+                <a:latin typeface="-webkit-standard"/>
+              </a:rPr>
+              <a:t> </a:t>
+            </a:r>
+            <a:r>
+              <a:rPr lang="en-US" b="0" i="0" u="none" strike="noStrike" dirty="0" err="1">
+                <a:solidFill>
+                  <a:srgbClr val="000000"/>
+                </a:solidFill>
+                <a:effectLst/>
+                <a:latin typeface="-webkit-standard"/>
+              </a:rPr>
+              <a:t>palavras</a:t>
+            </a:r>
+            <a:r>
+              <a:rPr lang="en-US" b="0" i="0" u="none" strike="noStrike" dirty="0">
+                <a:solidFill>
+                  <a:srgbClr val="000000"/>
+                </a:solidFill>
+                <a:effectLst/>
+                <a:latin typeface="-webkit-standard"/>
+              </a:rPr>
+              <a:t>, o RPO define </a:t>
+            </a:r>
+            <a:r>
+              <a:rPr lang="en-US" b="0" i="0" u="none" strike="noStrike" dirty="0" err="1">
+                <a:solidFill>
+                  <a:srgbClr val="000000"/>
+                </a:solidFill>
+                <a:effectLst/>
+                <a:latin typeface="-webkit-standard"/>
+              </a:rPr>
+              <a:t>até</a:t>
+            </a:r>
+            <a:r>
+              <a:rPr lang="en-US" b="0" i="0" u="none" strike="noStrike" dirty="0">
+                <a:solidFill>
+                  <a:srgbClr val="000000"/>
+                </a:solidFill>
+                <a:effectLst/>
+                <a:latin typeface="-webkit-standard"/>
+              </a:rPr>
+              <a:t> que </a:t>
+            </a:r>
+            <a:r>
+              <a:rPr lang="en-US" b="0" i="0" u="none" strike="noStrike" dirty="0" err="1">
+                <a:solidFill>
+                  <a:srgbClr val="000000"/>
+                </a:solidFill>
+                <a:effectLst/>
+                <a:latin typeface="-webkit-standard"/>
+              </a:rPr>
+              <a:t>ponto</a:t>
+            </a:r>
+            <a:r>
+              <a:rPr lang="en-US" b="0" i="0" u="none" strike="noStrike" dirty="0">
+                <a:solidFill>
+                  <a:srgbClr val="000000"/>
+                </a:solidFill>
+                <a:effectLst/>
+                <a:latin typeface="-webkit-standard"/>
+              </a:rPr>
+              <a:t> no tempo </a:t>
+            </a:r>
+            <a:r>
+              <a:rPr lang="en-US" b="0" i="0" u="none" strike="noStrike" dirty="0" err="1">
+                <a:solidFill>
+                  <a:srgbClr val="000000"/>
+                </a:solidFill>
+                <a:effectLst/>
+                <a:latin typeface="-webkit-standard"/>
+              </a:rPr>
+              <a:t>os</a:t>
+            </a:r>
+            <a:r>
+              <a:rPr lang="en-US" b="0" i="0" u="none" strike="noStrike" dirty="0">
+                <a:solidFill>
+                  <a:srgbClr val="000000"/>
+                </a:solidFill>
+                <a:effectLst/>
+                <a:latin typeface="-webkit-standard"/>
+              </a:rPr>
+              <a:t> dados </a:t>
+            </a:r>
+            <a:r>
+              <a:rPr lang="en-US" b="0" i="0" u="none" strike="noStrike" dirty="0" err="1">
+                <a:solidFill>
+                  <a:srgbClr val="000000"/>
+                </a:solidFill>
+                <a:effectLst/>
+                <a:latin typeface="-webkit-standard"/>
+              </a:rPr>
+              <a:t>podem</a:t>
+            </a:r>
+            <a:r>
+              <a:rPr lang="en-US" b="0" i="0" u="none" strike="noStrike" dirty="0">
+                <a:solidFill>
+                  <a:srgbClr val="000000"/>
+                </a:solidFill>
+                <a:effectLst/>
+                <a:latin typeface="-webkit-standard"/>
+              </a:rPr>
+              <a:t> ser </a:t>
+            </a:r>
+            <a:r>
+              <a:rPr lang="en-US" b="0" i="0" u="none" strike="noStrike" dirty="0" err="1">
+                <a:solidFill>
+                  <a:srgbClr val="000000"/>
+                </a:solidFill>
+                <a:effectLst/>
+                <a:latin typeface="-webkit-standard"/>
+              </a:rPr>
+              <a:t>recuperados</a:t>
+            </a:r>
+            <a:r>
+              <a:rPr lang="en-US" b="0" i="0" u="none" strike="noStrike" dirty="0">
+                <a:solidFill>
+                  <a:srgbClr val="000000"/>
+                </a:solidFill>
+                <a:effectLst/>
+                <a:latin typeface="-webkit-standard"/>
+              </a:rPr>
+              <a:t>, </a:t>
+            </a:r>
+            <a:r>
+              <a:rPr lang="en-US" b="0" i="0" u="none" strike="noStrike" dirty="0" err="1">
+                <a:solidFill>
+                  <a:srgbClr val="000000"/>
+                </a:solidFill>
+                <a:effectLst/>
+                <a:latin typeface="-webkit-standard"/>
+              </a:rPr>
+              <a:t>indicando</a:t>
+            </a:r>
+            <a:r>
+              <a:rPr lang="en-US" b="0" i="0" u="none" strike="noStrike" dirty="0">
+                <a:solidFill>
+                  <a:srgbClr val="000000"/>
+                </a:solidFill>
+                <a:effectLst/>
+                <a:latin typeface="-webkit-standard"/>
+              </a:rPr>
+              <a:t> o </a:t>
+            </a:r>
+            <a:r>
+              <a:rPr lang="en-US" b="1" i="0" u="none" strike="noStrike" dirty="0" err="1">
+                <a:solidFill>
+                  <a:srgbClr val="000000"/>
+                </a:solidFill>
+                <a:effectLst/>
+                <a:latin typeface="-webkit-standard"/>
+              </a:rPr>
+              <a:t>quão</a:t>
+            </a:r>
+            <a:r>
+              <a:rPr lang="en-US" b="1" i="0" u="none" strike="noStrike" dirty="0">
+                <a:solidFill>
+                  <a:srgbClr val="000000"/>
+                </a:solidFill>
+                <a:effectLst/>
+                <a:latin typeface="-webkit-standard"/>
+              </a:rPr>
+              <a:t> </a:t>
+            </a:r>
+            <a:r>
+              <a:rPr lang="en-US" b="1" i="0" u="none" strike="noStrike" dirty="0" err="1">
+                <a:solidFill>
+                  <a:srgbClr val="000000"/>
+                </a:solidFill>
+                <a:effectLst/>
+                <a:latin typeface="-webkit-standard"/>
+              </a:rPr>
+              <a:t>recentes</a:t>
+            </a:r>
+            <a:r>
+              <a:rPr lang="en-US" b="1" i="0" u="none" strike="noStrike" dirty="0">
+                <a:solidFill>
+                  <a:srgbClr val="000000"/>
+                </a:solidFill>
+                <a:effectLst/>
+                <a:latin typeface="-webkit-standard"/>
+              </a:rPr>
+              <a:t> </a:t>
+            </a:r>
+            <a:r>
+              <a:rPr lang="en-US" b="1" i="0" u="none" strike="noStrike" dirty="0" err="1">
+                <a:solidFill>
+                  <a:srgbClr val="000000"/>
+                </a:solidFill>
+                <a:effectLst/>
+                <a:latin typeface="-webkit-standard"/>
+              </a:rPr>
+              <a:t>eles</a:t>
+            </a:r>
+            <a:r>
+              <a:rPr lang="en-US" b="1" i="0" u="none" strike="noStrike" dirty="0">
+                <a:solidFill>
+                  <a:srgbClr val="000000"/>
+                </a:solidFill>
+                <a:effectLst/>
+                <a:latin typeface="-webkit-standard"/>
+              </a:rPr>
+              <a:t> </a:t>
+            </a:r>
+            <a:r>
+              <a:rPr lang="en-US" b="1" i="0" u="none" strike="noStrike" dirty="0" err="1">
+                <a:solidFill>
+                  <a:srgbClr val="000000"/>
+                </a:solidFill>
+                <a:effectLst/>
+                <a:latin typeface="-webkit-standard"/>
+              </a:rPr>
+              <a:t>precisam</a:t>
+            </a:r>
+            <a:r>
+              <a:rPr lang="en-US" b="1" i="0" u="none" strike="noStrike" dirty="0">
+                <a:solidFill>
+                  <a:srgbClr val="000000"/>
+                </a:solidFill>
+                <a:effectLst/>
+                <a:latin typeface="-webkit-standard"/>
+              </a:rPr>
+              <a:t> </a:t>
+            </a:r>
+            <a:r>
+              <a:rPr lang="en-US" b="1" i="0" u="none" strike="noStrike" dirty="0" err="1">
+                <a:solidFill>
+                  <a:srgbClr val="000000"/>
+                </a:solidFill>
+                <a:effectLst/>
+                <a:latin typeface="-webkit-standard"/>
+              </a:rPr>
+              <a:t>estar</a:t>
+            </a:r>
+            <a:r>
+              <a:rPr lang="en-US" b="1" i="0" u="none" strike="noStrike" dirty="0">
+                <a:solidFill>
+                  <a:srgbClr val="000000"/>
+                </a:solidFill>
+                <a:effectLst/>
+                <a:latin typeface="-webkit-standard"/>
+              </a:rPr>
+              <a:t> no </a:t>
+            </a:r>
+            <a:r>
+              <a:rPr lang="en-US" b="1" i="0" u="none" strike="noStrike" dirty="0" err="1">
+                <a:solidFill>
+                  <a:srgbClr val="000000"/>
+                </a:solidFill>
+                <a:effectLst/>
+                <a:latin typeface="-webkit-standard"/>
+              </a:rPr>
+              <a:t>momento</a:t>
+            </a:r>
+            <a:r>
+              <a:rPr lang="en-US" b="1" i="0" u="none" strike="noStrike" dirty="0">
+                <a:solidFill>
+                  <a:srgbClr val="000000"/>
+                </a:solidFill>
+                <a:effectLst/>
+                <a:latin typeface="-webkit-standard"/>
+              </a:rPr>
+              <a:t> da </a:t>
+            </a:r>
+            <a:r>
+              <a:rPr lang="en-US" b="1" i="0" u="none" strike="noStrike" dirty="0" err="1">
+                <a:solidFill>
+                  <a:srgbClr val="000000"/>
+                </a:solidFill>
+                <a:effectLst/>
+                <a:latin typeface="-webkit-standard"/>
+              </a:rPr>
+              <a:t>recuperação</a:t>
+            </a:r>
+            <a:r>
+              <a:rPr lang="en-US" b="0" i="0" u="none" strike="noStrike" dirty="0">
+                <a:solidFill>
+                  <a:srgbClr val="000000"/>
+                </a:solidFill>
+                <a:effectLst/>
+                <a:latin typeface="-webkit-standard"/>
+              </a:rPr>
+              <a:t>.</a:t>
+            </a:r>
+            <a:endParaRPr lang="en-BR" dirty="0"/>
+          </a:p>
+        </p:txBody>
+      </p:sp>
+      <p:pic>
+        <p:nvPicPr>
+          <p:cNvPr id="5" name="Picture 4">
+            <a:extLst>
+              <a:ext uri="{FF2B5EF4-FFF2-40B4-BE49-F238E27FC236}">
+                <a16:creationId xmlns:a16="http://schemas.microsoft.com/office/drawing/2014/main" id="{3CC9E159-512C-BE40-A1E5-01FBC27F110F}"/>
+              </a:ext>
+            </a:extLst>
+          </p:cNvPr>
+          <p:cNvPicPr>
+            <a:picLocks noChangeAspect="1"/>
+          </p:cNvPicPr>
+          <p:nvPr/>
+        </p:nvPicPr>
+        <p:blipFill>
+          <a:blip r:embed="rId2"/>
+          <a:stretch>
+            <a:fillRect/>
+          </a:stretch>
+        </p:blipFill>
+        <p:spPr>
+          <a:xfrm>
+            <a:off x="4175399" y="3261555"/>
+            <a:ext cx="3189167" cy="2654766"/>
+          </a:xfrm>
+          <a:prstGeom prst="rect">
+            <a:avLst/>
+          </a:prstGeom>
+        </p:spPr>
+      </p:pic>
+      <p:sp>
+        <p:nvSpPr>
+          <p:cNvPr id="6" name="TextBox 5">
+            <a:extLst>
+              <a:ext uri="{FF2B5EF4-FFF2-40B4-BE49-F238E27FC236}">
+                <a16:creationId xmlns:a16="http://schemas.microsoft.com/office/drawing/2014/main" id="{A8293683-347A-934F-6F4D-FD8B581D5ACC}"/>
+              </a:ext>
+            </a:extLst>
+          </p:cNvPr>
+          <p:cNvSpPr txBox="1"/>
+          <p:nvPr/>
+        </p:nvSpPr>
+        <p:spPr>
+          <a:xfrm>
+            <a:off x="3739172" y="1051902"/>
+            <a:ext cx="4096699" cy="369332"/>
+          </a:xfrm>
+          <a:prstGeom prst="rect">
+            <a:avLst/>
+          </a:prstGeom>
+          <a:noFill/>
+        </p:spPr>
+        <p:txBody>
+          <a:bodyPr wrap="none" rtlCol="0">
+            <a:spAutoFit/>
+          </a:bodyPr>
+          <a:lstStyle/>
+          <a:p>
+            <a:r>
+              <a:rPr lang="en-BR" i="1" dirty="0">
+                <a:solidFill>
+                  <a:schemeClr val="accent1">
+                    <a:lumMod val="60000"/>
+                    <a:lumOff val="40000"/>
+                  </a:schemeClr>
+                </a:solidFill>
+              </a:rPr>
+              <a:t>ESTAMOS OLHANDO PARA O PASSADO</a:t>
+            </a:r>
+          </a:p>
+        </p:txBody>
+      </p:sp>
+    </p:spTree>
+    <p:extLst>
+      <p:ext uri="{BB962C8B-B14F-4D97-AF65-F5344CB8AC3E}">
+        <p14:creationId xmlns:p14="http://schemas.microsoft.com/office/powerpoint/2010/main" val="1921610904"/>
+      </p:ext>
+    </p:extLst>
+  </p:cSld>
+  <p:clrMapOvr>
+    <a:masterClrMapping/>
+  </p:clrMapOvr>
+</p:sld>
+</file>
+
+<file path=ppt/slides/slide12.xml><?xml version="1.0" encoding="utf-8"?>
+<p:sld xmlns:a="http://schemas.openxmlformats.org/drawingml/2006/main" xmlns:r="http://schemas.openxmlformats.org/officeDocument/2006/relationships" xmlns:p="http://schemas.openxmlformats.org/presentationml/2006/main">
+  <p:cSld>
+    <p:spTree>
+      <p:nvGrpSpPr>
+        <p:cNvPr id="1" name=""/>
+        <p:cNvGrpSpPr/>
+        <p:nvPr/>
+      </p:nvGrpSpPr>
+      <p:grpSpPr>
+        <a:xfrm>
+          <a:off x="0" y="0"/>
+          <a:ext cx="0" cy="0"/>
+          <a:chOff x="0" y="0"/>
+          <a:chExt cx="0" cy="0"/>
+        </a:xfrm>
+      </p:grpSpPr>
+      <p:sp>
+        <p:nvSpPr>
+          <p:cNvPr id="3" name="TextBox 2">
+            <a:extLst>
+              <a:ext uri="{FF2B5EF4-FFF2-40B4-BE49-F238E27FC236}">
+                <a16:creationId xmlns:a16="http://schemas.microsoft.com/office/drawing/2014/main" id="{D08EF213-E1E4-AE71-2BB0-3C2499AFA28A}"/>
+              </a:ext>
+            </a:extLst>
+          </p:cNvPr>
+          <p:cNvSpPr txBox="1"/>
+          <p:nvPr/>
+        </p:nvSpPr>
+        <p:spPr>
+          <a:xfrm>
+            <a:off x="4109046" y="697553"/>
+            <a:ext cx="4176336" cy="446276"/>
+          </a:xfrm>
+          <a:prstGeom prst="rect">
+            <a:avLst/>
+          </a:prstGeom>
+          <a:noFill/>
+        </p:spPr>
+        <p:txBody>
+          <a:bodyPr wrap="none" rtlCol="0">
+            <a:spAutoFit/>
+          </a:bodyPr>
+          <a:lstStyle/>
+          <a:p>
+            <a:r>
+              <a:rPr lang="en-BR" sz="2300" b="1" dirty="0"/>
               <a:t>RTO: Recovery Time Objective</a:t>
             </a:r>
           </a:p>
@@ -4024,7 +4353,7 @@
         </p:nvSpPr>
         <p:spPr>
           <a:xfrm>
-            <a:off x="1866900" y="4483100"/>
+            <a:off x="2034680" y="1781845"/>
             <a:ext cx="8940800" cy="646331"/>
           </a:xfrm>
           <a:prstGeom prst="rect">
@@ -4312,6 +4641,78 @@
           </a:p>
         </p:txBody>
       </p:sp>
+      <p:sp>
+        <p:nvSpPr>
+          <p:cNvPr id="4" name="TextBox 3">
+            <a:extLst>
+              <a:ext uri="{FF2B5EF4-FFF2-40B4-BE49-F238E27FC236}">
+                <a16:creationId xmlns:a16="http://schemas.microsoft.com/office/drawing/2014/main" id="{A5EC8B81-FBCA-B392-E304-BEADE40906CE}"/>
+              </a:ext>
+            </a:extLst>
+          </p:cNvPr>
+          <p:cNvSpPr txBox="1"/>
+          <p:nvPr/>
+        </p:nvSpPr>
+        <p:spPr>
+          <a:xfrm>
+            <a:off x="4108629" y="1143829"/>
+            <a:ext cx="3974742" cy="369332"/>
+          </a:xfrm>
+          <a:prstGeom prst="rect">
+            <a:avLst/>
+          </a:prstGeom>
+          <a:noFill/>
+        </p:spPr>
+        <p:txBody>
+          <a:bodyPr wrap="none" rtlCol="0">
+            <a:spAutoFit/>
+          </a:bodyPr>
+          <a:lstStyle/>
+          <a:p>
+            <a:r>
+              <a:rPr lang="en-BR" i="1" dirty="0">
+                <a:solidFill>
+                  <a:schemeClr val="accent1">
+                    <a:lumMod val="60000"/>
+                    <a:lumOff val="40000"/>
+                  </a:schemeClr>
+                </a:solidFill>
+              </a:rPr>
+              <a:t>ESTAMOS OLHANDO PARA O FUTURO</a:t>
+            </a:r>
+          </a:p>
+        </p:txBody>
+      </p:sp>
+      <p:pic>
+        <p:nvPicPr>
+          <p:cNvPr id="5" name="Picture 4">
+            <a:extLst>
+              <a:ext uri="{FF2B5EF4-FFF2-40B4-BE49-F238E27FC236}">
+                <a16:creationId xmlns:a16="http://schemas.microsoft.com/office/drawing/2014/main" id="{E176569D-17D4-9558-EC0C-E0B4EDE607EA}"/>
+              </a:ext>
+            </a:extLst>
+          </p:cNvPr>
+          <p:cNvPicPr>
+            <a:picLocks noChangeAspect="1"/>
+          </p:cNvPicPr>
+          <p:nvPr/>
+        </p:nvPicPr>
+        <p:blipFill>
+          <a:blip r:embed="rId2"/>
+          <a:stretch>
+            <a:fillRect/>
+          </a:stretch>
+        </p:blipFill>
+        <p:spPr>
+          <a:xfrm>
+            <a:off x="4138856" y="2768786"/>
+            <a:ext cx="3944515" cy="3322078"/>
+          </a:xfrm>
+          <a:prstGeom prst="rect">
+            <a:avLst/>
+          </a:prstGeom>
+        </p:spPr>
+      </p:pic>
     </p:spTree>
     <p:extLst>
       <p:ext uri="{BB962C8B-B14F-4D97-AF65-F5344CB8AC3E}">
@@ -4325,7 +4726,7 @@
 </p:sld>
 </file>
 
-<file path=ppt/slides/slide12.xml><?xml version="1.0" encoding="utf-8"?>
+<file path=ppt/slides/slide13.xml><?xml version="1.0" encoding="utf-8"?>
 <p:sld xmlns:a="http://schemas.openxmlformats.org/drawingml/2006/main" xmlns:r="http://schemas.openxmlformats.org/officeDocument/2006/relationships" xmlns:p="http://schemas.openxmlformats.org/presentationml/2006/main">
   <p:cSld>
     <p:spTree>
@@ -4420,7 +4821,7 @@
 </p:sld>
 </file>
 
-<file path=ppt/slides/slide13.xml><?xml version="1.0" encoding="utf-8"?>
+<file path=ppt/slides/slide14.xml><?xml version="1.0" encoding="utf-8"?>
 <p:sld xmlns:a="http://schemas.openxmlformats.org/drawingml/2006/main" xmlns:r="http://schemas.openxmlformats.org/officeDocument/2006/relationships" xmlns:p="http://schemas.openxmlformats.org/presentationml/2006/main">
   <p:cSld>
     <p:spTree>
@@ -4515,7 +4916,7 @@
 </p:sld>
 </file>
 
-<file path=ppt/slides/slide14.xml><?xml version="1.0" encoding="utf-8"?>
+<file path=ppt/slides/slide15.xml><?xml version="1.0" encoding="utf-8"?>
 <p:sld xmlns:a="http://schemas.openxmlformats.org/drawingml/2006/main" xmlns:r="http://schemas.openxmlformats.org/officeDocument/2006/relationships" xmlns:p="http://schemas.openxmlformats.org/presentationml/2006/main">
   <p:cSld>
     <p:spTree>
@@ -4672,7 +5073,7 @@
 </p:sld>
 </file>
 
-<file path=ppt/slides/slide15.xml><?xml version="1.0" encoding="utf-8"?>
+<file path=ppt/slides/slide16.xml><?xml version="1.0" encoding="utf-8"?>
 <p:sld xmlns:a="http://schemas.openxmlformats.org/drawingml/2006/main" xmlns:r="http://schemas.openxmlformats.org/officeDocument/2006/relationships" xmlns:p="http://schemas.openxmlformats.org/presentationml/2006/main">
   <p:cSld>
     <p:spTree>
@@ -4728,515 +5129,6 @@
     <p:extLst>
       <p:ext uri="{BB962C8B-B14F-4D97-AF65-F5344CB8AC3E}">
         <p14:creationId xmlns:p14="http://schemas.microsoft.com/office/powerpoint/2010/main" val="2178624790"/>
-      </p:ext>
-    </p:extLst>
-  </p:cSld>
-  <p:clrMapOvr>
-    <a:masterClrMapping/>
-  </p:clrMapOvr>
-</p:sld>
-</file>
-
-<file path=ppt/slides/slide16.xml><?xml version="1.0" encoding="utf-8"?>
-<p:sld xmlns:a="http://schemas.openxmlformats.org/drawingml/2006/main" xmlns:r="http://schemas.openxmlformats.org/officeDocument/2006/relationships" xmlns:p="http://schemas.openxmlformats.org/presentationml/2006/main">
-  <p:cSld>
-    <p:spTree>
-      <p:nvGrpSpPr>
-        <p:cNvPr id="1" name=""/>
-        <p:cNvGrpSpPr/>
-        <p:nvPr/>
-      </p:nvGrpSpPr>
-      <p:grpSpPr>
-        <a:xfrm>
-          <a:off x="0" y="0"/>
-          <a:ext cx="0" cy="0"/>
-          <a:chOff x="0" y="0"/>
-          <a:chExt cx="0" cy="0"/>
-        </a:xfrm>
-      </p:grpSpPr>
-      <p:sp>
-        <p:nvSpPr>
-          <p:cNvPr id="2" name="TextBox 1">
-            <a:extLst>
-              <a:ext uri="{FF2B5EF4-FFF2-40B4-BE49-F238E27FC236}">
-                <a16:creationId xmlns:a16="http://schemas.microsoft.com/office/drawing/2014/main" id="{B0481CB1-1972-D6BB-EC37-282C322046A5}"/>
-              </a:ext>
-            </a:extLst>
-          </p:cNvPr>
-          <p:cNvSpPr txBox="1"/>
-          <p:nvPr/>
-        </p:nvSpPr>
-        <p:spPr>
-          <a:xfrm>
-            <a:off x="666750" y="2935238"/>
-            <a:ext cx="6438900" cy="2862322"/>
-          </a:xfrm>
-          <a:prstGeom prst="rect">
-            <a:avLst/>
-          </a:prstGeom>
-          <a:noFill/>
-        </p:spPr>
-        <p:txBody>
-          <a:bodyPr wrap="square" rtlCol="0">
-            <a:spAutoFit/>
-          </a:bodyPr>
-          <a:lstStyle/>
-          <a:p>
-            <a:r>
-              <a:rPr lang="en-BR" b="1" dirty="0"/>
-              <a:t>Create a mock question for the AWS Solutions Architect Associate Exam. Give me the output in portuguese. The question context must be a real world architecture situation to help students think about a real world problem. After the question, give me the answer and explanations. If possible, link explanations to AWS documentation. </a:t>
-            </a:r>
-          </a:p>
-          <a:p>
-            <a:endParaRPr lang="en-BR" b="1" i="1" dirty="0"/>
-          </a:p>
-          <a:p>
-            <a:r>
-              <a:rPr lang="pt-BR" b="1" i="1" dirty="0"/>
-              <a:t>For </a:t>
-            </a:r>
-            <a:r>
-              <a:rPr lang="pt-BR" b="1" i="1" dirty="0" err="1"/>
-              <a:t>this</a:t>
-            </a:r>
-            <a:r>
-              <a:rPr lang="pt-BR" b="1" i="1" dirty="0"/>
-              <a:t> </a:t>
-            </a:r>
-            <a:r>
-              <a:rPr lang="pt-BR" b="1" i="1" dirty="0" err="1"/>
-              <a:t>question</a:t>
-            </a:r>
-            <a:r>
-              <a:rPr lang="pt-BR" b="1" i="1" dirty="0"/>
-              <a:t> explore a use case </a:t>
-            </a:r>
-            <a:r>
-              <a:rPr lang="pt-BR" b="1" i="1" dirty="0" err="1"/>
-              <a:t>of</a:t>
-            </a:r>
-            <a:r>
-              <a:rPr lang="pt-BR" b="1" i="1" dirty="0"/>
-              <a:t> a NAT Gateway </a:t>
-            </a:r>
-            <a:r>
-              <a:rPr lang="pt-BR" b="1" i="1" dirty="0" err="1"/>
-              <a:t>and</a:t>
-            </a:r>
-            <a:r>
-              <a:rPr lang="pt-BR" b="1" i="1" dirty="0"/>
-              <a:t> a EC2 </a:t>
-            </a:r>
-            <a:r>
-              <a:rPr lang="pt-BR" b="1" i="1" dirty="0" err="1"/>
-              <a:t>need</a:t>
-            </a:r>
-            <a:r>
-              <a:rPr lang="pt-BR" b="1" i="1" dirty="0"/>
-              <a:t> for update. </a:t>
-            </a:r>
-            <a:r>
-              <a:rPr lang="pt-BR" b="1" i="1" dirty="0" err="1"/>
-              <a:t>Put</a:t>
-            </a:r>
-            <a:r>
-              <a:rPr lang="pt-BR" b="1" i="1" dirty="0"/>
-              <a:t> </a:t>
-            </a:r>
-            <a:r>
-              <a:rPr lang="pt-BR" b="1" i="1" dirty="0" err="1"/>
-              <a:t>subnets</a:t>
-            </a:r>
-            <a:r>
-              <a:rPr lang="pt-BR" b="1" i="1" dirty="0"/>
-              <a:t> </a:t>
-            </a:r>
-            <a:r>
-              <a:rPr lang="pt-BR" b="1" i="1" dirty="0" err="1"/>
-              <a:t>concepts</a:t>
-            </a:r>
-            <a:r>
-              <a:rPr lang="pt-BR" b="1" i="1" dirty="0"/>
-              <a:t> (</a:t>
-            </a:r>
-            <a:r>
-              <a:rPr lang="pt-BR" b="1" i="1" dirty="0" err="1"/>
-              <a:t>public</a:t>
-            </a:r>
-            <a:r>
-              <a:rPr lang="pt-BR" b="1" i="1" dirty="0"/>
-              <a:t> </a:t>
-            </a:r>
-            <a:r>
-              <a:rPr lang="pt-BR" b="1" i="1" dirty="0" err="1"/>
-              <a:t>and</a:t>
-            </a:r>
-            <a:r>
-              <a:rPr lang="pt-BR" b="1" i="1" dirty="0"/>
-              <a:t> </a:t>
-            </a:r>
-            <a:r>
-              <a:rPr lang="pt-BR" b="1" i="1" dirty="0" err="1"/>
-              <a:t>private</a:t>
-            </a:r>
-            <a:r>
-              <a:rPr lang="pt-BR" b="1" i="1" dirty="0"/>
-              <a:t>) for explore networking </a:t>
-            </a:r>
-            <a:r>
-              <a:rPr lang="pt-BR" b="1" i="1" dirty="0" err="1"/>
-              <a:t>concepts</a:t>
-            </a:r>
-            <a:r>
-              <a:rPr lang="pt-BR" b="1" i="1" dirty="0"/>
-              <a:t>.</a:t>
-            </a:r>
-            <a:endParaRPr lang="en-BR" b="1" i="1" dirty="0"/>
-          </a:p>
-        </p:txBody>
-      </p:sp>
-      <p:sp>
-        <p:nvSpPr>
-          <p:cNvPr id="3" name="TextBox 2">
-            <a:extLst>
-              <a:ext uri="{FF2B5EF4-FFF2-40B4-BE49-F238E27FC236}">
-                <a16:creationId xmlns:a16="http://schemas.microsoft.com/office/drawing/2014/main" id="{C6E8BEB2-BEAD-D22C-3FF4-B1A8EF2F6EBF}"/>
-              </a:ext>
-            </a:extLst>
-          </p:cNvPr>
-          <p:cNvSpPr txBox="1"/>
-          <p:nvPr/>
-        </p:nvSpPr>
-        <p:spPr>
-          <a:xfrm>
-            <a:off x="1872689" y="787400"/>
-            <a:ext cx="8892434" cy="400110"/>
-          </a:xfrm>
-          <a:prstGeom prst="rect">
-            <a:avLst/>
-          </a:prstGeom>
-          <a:noFill/>
-        </p:spPr>
-        <p:txBody>
-          <a:bodyPr wrap="none" rtlCol="0">
-            <a:spAutoFit/>
-          </a:bodyPr>
-          <a:lstStyle/>
-          <a:p>
-            <a:r>
-              <a:rPr lang="en-BR" sz="2000" b="1" dirty="0"/>
-              <a:t>Exemplificação de como tenho gerado questões para estudar para o exame</a:t>
-            </a:r>
-          </a:p>
-        </p:txBody>
-      </p:sp>
-      <p:pic>
-        <p:nvPicPr>
-          <p:cNvPr id="7170" name="Picture 2" descr="Claude aprende português e chega ao Brasil para duelar com ChatGPT •  Inteligência Artificial • Tecnoblog">
-            <a:extLst>
-              <a:ext uri="{FF2B5EF4-FFF2-40B4-BE49-F238E27FC236}">
-                <a16:creationId xmlns:a16="http://schemas.microsoft.com/office/drawing/2014/main" id="{8C6A9199-DC3B-40F9-71C7-F029E535CFDB}"/>
-              </a:ext>
-            </a:extLst>
-          </p:cNvPr>
-          <p:cNvPicPr>
-            <a:picLocks noChangeAspect="1" noChangeArrowheads="1"/>
-          </p:cNvPicPr>
-          <p:nvPr/>
-        </p:nvPicPr>
-        <p:blipFill>
-          <a:blip r:embed="rId2">
-            <a:extLst>
-              <a:ext uri="{28A0092B-C50C-407E-A947-70E740481C1C}">
-                <a14:useLocalDpi xmlns:a14="http://schemas.microsoft.com/office/drawing/2010/main" val="0"/>
-              </a:ext>
-            </a:extLst>
-          </a:blip>
-          <a:srcRect/>
-          <a:stretch>
-            <a:fillRect/>
-          </a:stretch>
-        </p:blipFill>
-        <p:spPr bwMode="auto">
-          <a:xfrm>
-            <a:off x="548275" y="1748839"/>
-            <a:ext cx="1694981" cy="949189"/>
-          </a:xfrm>
-          <a:prstGeom prst="rect">
-            <a:avLst/>
-          </a:prstGeom>
-          <a:noFill/>
-          <a:extLst>
-            <a:ext uri="{909E8E84-426E-40DD-AFC4-6F175D3DCCD1}">
-              <a14:hiddenFill xmlns:a14="http://schemas.microsoft.com/office/drawing/2010/main">
-                <a:solidFill>
-                  <a:srgbClr val="FFFFFF"/>
-                </a:solidFill>
-              </a14:hiddenFill>
-            </a:ext>
-          </a:extLst>
-        </p:spPr>
-      </p:pic>
-      <p:pic>
-        <p:nvPicPr>
-          <p:cNvPr id="7172" name="Picture 4" descr="Apresentando o Gemini: nosso maior e mais hábil modelo de IA">
-            <a:extLst>
-              <a:ext uri="{FF2B5EF4-FFF2-40B4-BE49-F238E27FC236}">
-                <a16:creationId xmlns:a16="http://schemas.microsoft.com/office/drawing/2014/main" id="{90C8A7AF-223C-0204-C642-B22966DA5FBB}"/>
-              </a:ext>
-            </a:extLst>
-          </p:cNvPr>
-          <p:cNvPicPr>
-            <a:picLocks noChangeAspect="1" noChangeArrowheads="1"/>
-          </p:cNvPicPr>
-          <p:nvPr/>
-        </p:nvPicPr>
-        <p:blipFill>
-          <a:blip r:embed="rId3">
-            <a:extLst>
-              <a:ext uri="{28A0092B-C50C-407E-A947-70E740481C1C}">
-                <a14:useLocalDpi xmlns:a14="http://schemas.microsoft.com/office/drawing/2010/main" val="0"/>
-              </a:ext>
-            </a:extLst>
-          </a:blip>
-          <a:srcRect/>
-          <a:stretch>
-            <a:fillRect/>
-          </a:stretch>
-        </p:blipFill>
-        <p:spPr bwMode="auto">
-          <a:xfrm>
-            <a:off x="2641599" y="1748839"/>
-            <a:ext cx="1873249" cy="975776"/>
-          </a:xfrm>
-          <a:prstGeom prst="rect">
-            <a:avLst/>
-          </a:prstGeom>
-          <a:noFill/>
-          <a:extLst>
-            <a:ext uri="{909E8E84-426E-40DD-AFC4-6F175D3DCCD1}">
-              <a14:hiddenFill xmlns:a14="http://schemas.microsoft.com/office/drawing/2010/main">
-                <a:solidFill>
-                  <a:srgbClr val="FFFFFF"/>
-                </a:solidFill>
-              </a14:hiddenFill>
-            </a:ext>
-          </a:extLst>
-        </p:spPr>
-      </p:pic>
-      <p:pic>
-        <p:nvPicPr>
-          <p:cNvPr id="7174" name="Picture 6" descr="Chat Gpt no mundo atual - Transformando a Comunicação e a Experiência do  Usuário">
-            <a:extLst>
-              <a:ext uri="{FF2B5EF4-FFF2-40B4-BE49-F238E27FC236}">
-                <a16:creationId xmlns:a16="http://schemas.microsoft.com/office/drawing/2014/main" id="{6963C4EB-CEE1-36A2-B1F5-29F798D8758A}"/>
-              </a:ext>
-            </a:extLst>
-          </p:cNvPr>
-          <p:cNvPicPr>
-            <a:picLocks noChangeAspect="1" noChangeArrowheads="1"/>
-          </p:cNvPicPr>
-          <p:nvPr/>
-        </p:nvPicPr>
-        <p:blipFill>
-          <a:blip r:embed="rId4">
-            <a:extLst>
-              <a:ext uri="{28A0092B-C50C-407E-A947-70E740481C1C}">
-                <a14:useLocalDpi xmlns:a14="http://schemas.microsoft.com/office/drawing/2010/main" val="0"/>
-              </a:ext>
-            </a:extLst>
-          </a:blip>
-          <a:srcRect/>
-          <a:stretch>
-            <a:fillRect/>
-          </a:stretch>
-        </p:blipFill>
-        <p:spPr bwMode="auto">
-          <a:xfrm>
-            <a:off x="4954879" y="1714965"/>
-            <a:ext cx="1661595" cy="1009650"/>
-          </a:xfrm>
-          <a:prstGeom prst="rect">
-            <a:avLst/>
-          </a:prstGeom>
-          <a:noFill/>
-          <a:extLst>
-            <a:ext uri="{909E8E84-426E-40DD-AFC4-6F175D3DCCD1}">
-              <a14:hiddenFill xmlns:a14="http://schemas.microsoft.com/office/drawing/2010/main">
-                <a:solidFill>
-                  <a:srgbClr val="FFFFFF"/>
-                </a:solidFill>
-              </a14:hiddenFill>
-            </a:ext>
-          </a:extLst>
-        </p:spPr>
-      </p:pic>
-      <p:cxnSp>
-        <p:nvCxnSpPr>
-          <p:cNvPr id="5" name="Straight Arrow Connector 4">
-            <a:extLst>
-              <a:ext uri="{FF2B5EF4-FFF2-40B4-BE49-F238E27FC236}">
-                <a16:creationId xmlns:a16="http://schemas.microsoft.com/office/drawing/2014/main" id="{37E39885-0F02-1856-BA8E-A3C44F1255DF}"/>
-              </a:ext>
-            </a:extLst>
-          </p:cNvPr>
-          <p:cNvCxnSpPr>
-            <a:cxnSpLocks/>
-          </p:cNvCxnSpPr>
-          <p:nvPr/>
-        </p:nvCxnSpPr>
-        <p:spPr>
-          <a:xfrm>
-            <a:off x="7105650" y="2236727"/>
-            <a:ext cx="1473200" cy="0"/>
-          </a:xfrm>
-          <a:prstGeom prst="straightConnector1">
-            <a:avLst/>
-          </a:prstGeom>
-          <a:ln>
-            <a:tailEnd type="triangle"/>
-          </a:ln>
-        </p:spPr>
-        <p:style>
-          <a:lnRef idx="2">
-            <a:schemeClr val="accent1"/>
-          </a:lnRef>
-          <a:fillRef idx="0">
-            <a:schemeClr val="accent1"/>
-          </a:fillRef>
-          <a:effectRef idx="1">
-            <a:schemeClr val="accent1"/>
-          </a:effectRef>
-          <a:fontRef idx="minor">
-            <a:schemeClr val="tx1"/>
-          </a:fontRef>
-        </p:style>
-      </p:cxnSp>
-      <p:sp>
-        <p:nvSpPr>
-          <p:cNvPr id="6" name="TextBox 5">
-            <a:extLst>
-              <a:ext uri="{FF2B5EF4-FFF2-40B4-BE49-F238E27FC236}">
-                <a16:creationId xmlns:a16="http://schemas.microsoft.com/office/drawing/2014/main" id="{ACA3BCAA-EBE4-2A85-9528-F9EC7AA9CAA1}"/>
-              </a:ext>
-            </a:extLst>
-          </p:cNvPr>
-          <p:cNvSpPr txBox="1"/>
-          <p:nvPr/>
-        </p:nvSpPr>
-        <p:spPr>
-          <a:xfrm>
-            <a:off x="8822825" y="1965363"/>
-            <a:ext cx="2820900" cy="646331"/>
-          </a:xfrm>
-          <a:prstGeom prst="rect">
-            <a:avLst/>
-          </a:prstGeom>
-          <a:noFill/>
-        </p:spPr>
-        <p:txBody>
-          <a:bodyPr wrap="none" rtlCol="0">
-            <a:spAutoFit/>
-          </a:bodyPr>
-          <a:lstStyle/>
-          <a:p>
-            <a:r>
-              <a:rPr lang="en-BR" dirty="0"/>
-              <a:t>Revisar o que foi gerado e </a:t>
-            </a:r>
-          </a:p>
-          <a:p>
-            <a:r>
-              <a:rPr lang="en-US" dirty="0"/>
-              <a:t>f</a:t>
-            </a:r>
-            <a:r>
-              <a:rPr lang="en-BR" dirty="0"/>
-              <a:t>azer ajustes e acréscimos</a:t>
-            </a:r>
-          </a:p>
-        </p:txBody>
-      </p:sp>
-      <p:cxnSp>
-        <p:nvCxnSpPr>
-          <p:cNvPr id="7" name="Straight Arrow Connector 6">
-            <a:extLst>
-              <a:ext uri="{FF2B5EF4-FFF2-40B4-BE49-F238E27FC236}">
-                <a16:creationId xmlns:a16="http://schemas.microsoft.com/office/drawing/2014/main" id="{D29BEF16-6143-95B0-8624-55C034065612}"/>
-              </a:ext>
-            </a:extLst>
-          </p:cNvPr>
-          <p:cNvCxnSpPr>
-            <a:cxnSpLocks/>
-          </p:cNvCxnSpPr>
-          <p:nvPr/>
-        </p:nvCxnSpPr>
-        <p:spPr>
-          <a:xfrm>
-            <a:off x="10126535" y="2935238"/>
-            <a:ext cx="0" cy="1254010"/>
-          </a:xfrm>
-          <a:prstGeom prst="straightConnector1">
-            <a:avLst/>
-          </a:prstGeom>
-          <a:ln>
-            <a:tailEnd type="triangle"/>
-          </a:ln>
-        </p:spPr>
-        <p:style>
-          <a:lnRef idx="2">
-            <a:schemeClr val="accent1"/>
-          </a:lnRef>
-          <a:fillRef idx="0">
-            <a:schemeClr val="accent1"/>
-          </a:fillRef>
-          <a:effectRef idx="1">
-            <a:schemeClr val="accent1"/>
-          </a:effectRef>
-          <a:fontRef idx="minor">
-            <a:schemeClr val="tx1"/>
-          </a:fontRef>
-        </p:style>
-      </p:cxnSp>
-      <p:sp>
-        <p:nvSpPr>
-          <p:cNvPr id="10" name="TextBox 9">
-            <a:extLst>
-              <a:ext uri="{FF2B5EF4-FFF2-40B4-BE49-F238E27FC236}">
-                <a16:creationId xmlns:a16="http://schemas.microsoft.com/office/drawing/2014/main" id="{769FB04F-C7A5-B11C-6A31-3AEA3B9DDC36}"/>
-              </a:ext>
-            </a:extLst>
-          </p:cNvPr>
-          <p:cNvSpPr txBox="1"/>
-          <p:nvPr/>
-        </p:nvSpPr>
-        <p:spPr>
-          <a:xfrm>
-            <a:off x="9244499" y="4436607"/>
-            <a:ext cx="1764073" cy="369332"/>
-          </a:xfrm>
-          <a:prstGeom prst="rect">
-            <a:avLst/>
-          </a:prstGeom>
-          <a:noFill/>
-        </p:spPr>
-        <p:txBody>
-          <a:bodyPr wrap="none" rtlCol="0">
-            <a:spAutoFit/>
-          </a:bodyPr>
-          <a:lstStyle/>
-          <a:p>
-            <a:r>
-              <a:rPr lang="en-BR" dirty="0"/>
-              <a:t>Questão gerada</a:t>
-            </a:r>
-          </a:p>
-        </p:txBody>
-      </p:sp>
-    </p:spTree>
-    <p:extLst>
-      <p:ext uri="{BB962C8B-B14F-4D97-AF65-F5344CB8AC3E}">
-        <p14:creationId xmlns:p14="http://schemas.microsoft.com/office/powerpoint/2010/main" val="1107706454"/>
       </p:ext>
     </p:extLst>
   </p:cSld>
@@ -54059,6 +53951,1532 @@
           </a:p>
         </p:txBody>
       </p:sp>
+      <p:sp>
+        <p:nvSpPr>
+          <p:cNvPr id="3" name="TextBox 2">
+            <a:extLst>
+              <a:ext uri="{FF2B5EF4-FFF2-40B4-BE49-F238E27FC236}">
+                <a16:creationId xmlns:a16="http://schemas.microsoft.com/office/drawing/2014/main" id="{1CF6B2A2-2EAE-5F5D-D451-63752B2810FF}"/>
+              </a:ext>
+            </a:extLst>
+          </p:cNvPr>
+          <p:cNvSpPr txBox="1"/>
+          <p:nvPr/>
+        </p:nvSpPr>
+        <p:spPr>
+          <a:xfrm>
+            <a:off x="459776" y="1268000"/>
+            <a:ext cx="3355597" cy="369332"/>
+          </a:xfrm>
+          <a:prstGeom prst="rect">
+            <a:avLst/>
+          </a:prstGeom>
+          <a:noFill/>
+        </p:spPr>
+        <p:txBody>
+          <a:bodyPr wrap="square" rtlCol="0">
+            <a:spAutoFit/>
+          </a:bodyPr>
+          <a:lstStyle/>
+          <a:p>
+            <a:r>
+              <a:rPr lang="en-BR" b="1" dirty="0"/>
+              <a:t>1 - Latency routing policy</a:t>
+            </a:r>
+          </a:p>
+        </p:txBody>
+      </p:sp>
+      <p:sp>
+        <p:nvSpPr>
+          <p:cNvPr id="5" name="TextBox 4">
+            <a:extLst>
+              <a:ext uri="{FF2B5EF4-FFF2-40B4-BE49-F238E27FC236}">
+                <a16:creationId xmlns:a16="http://schemas.microsoft.com/office/drawing/2014/main" id="{7B751795-16FB-6B92-070B-7ABCF81489FC}"/>
+              </a:ext>
+            </a:extLst>
+          </p:cNvPr>
+          <p:cNvSpPr txBox="1"/>
+          <p:nvPr/>
+        </p:nvSpPr>
+        <p:spPr>
+          <a:xfrm>
+            <a:off x="4446887" y="1253444"/>
+            <a:ext cx="2816990" cy="646331"/>
+          </a:xfrm>
+          <a:prstGeom prst="rect">
+            <a:avLst/>
+          </a:prstGeom>
+          <a:noFill/>
+        </p:spPr>
+        <p:txBody>
+          <a:bodyPr wrap="none" rtlCol="0">
+            <a:spAutoFit/>
+          </a:bodyPr>
+          <a:lstStyle/>
+          <a:p>
+            <a:r>
+              <a:rPr lang="en-BR" b="1" dirty="0"/>
+              <a:t>2 – Failover routing policy</a:t>
+            </a:r>
+          </a:p>
+          <a:p>
+            <a:endParaRPr lang="en-BR" dirty="0"/>
+          </a:p>
+        </p:txBody>
+      </p:sp>
+      <p:sp>
+        <p:nvSpPr>
+          <p:cNvPr id="6" name="TextBox 5">
+            <a:extLst>
+              <a:ext uri="{FF2B5EF4-FFF2-40B4-BE49-F238E27FC236}">
+                <a16:creationId xmlns:a16="http://schemas.microsoft.com/office/drawing/2014/main" id="{03497C12-C88E-4626-3EBA-B46C1D9FDEE3}"/>
+              </a:ext>
+            </a:extLst>
+          </p:cNvPr>
+          <p:cNvSpPr txBox="1"/>
+          <p:nvPr/>
+        </p:nvSpPr>
+        <p:spPr>
+          <a:xfrm>
+            <a:off x="8295563" y="1253444"/>
+            <a:ext cx="3070370" cy="646331"/>
+          </a:xfrm>
+          <a:prstGeom prst="rect">
+            <a:avLst/>
+          </a:prstGeom>
+          <a:noFill/>
+        </p:spPr>
+        <p:txBody>
+          <a:bodyPr wrap="square" rtlCol="0">
+            <a:spAutoFit/>
+          </a:bodyPr>
+          <a:lstStyle/>
+          <a:p>
+            <a:r>
+              <a:rPr lang="en-BR" b="1" dirty="0"/>
+              <a:t>3 – Weighted routing policy</a:t>
+            </a:r>
+          </a:p>
+          <a:p>
+            <a:endParaRPr lang="en-BR" dirty="0"/>
+          </a:p>
+        </p:txBody>
+      </p:sp>
+      <p:pic>
+        <p:nvPicPr>
+          <p:cNvPr id="7" name="Picture 6">
+            <a:extLst>
+              <a:ext uri="{FF2B5EF4-FFF2-40B4-BE49-F238E27FC236}">
+                <a16:creationId xmlns:a16="http://schemas.microsoft.com/office/drawing/2014/main" id="{8A39973A-E3AC-EC7D-F36E-E4FF0FBFED1A}"/>
+              </a:ext>
+            </a:extLst>
+          </p:cNvPr>
+          <p:cNvPicPr>
+            <a:picLocks noChangeAspect="1"/>
+          </p:cNvPicPr>
+          <p:nvPr/>
+        </p:nvPicPr>
+        <p:blipFill>
+          <a:blip r:embed="rId2"/>
+          <a:stretch>
+            <a:fillRect/>
+          </a:stretch>
+        </p:blipFill>
+        <p:spPr>
+          <a:xfrm>
+            <a:off x="1638066" y="3336100"/>
+            <a:ext cx="548696" cy="562587"/>
+          </a:xfrm>
+          <a:prstGeom prst="rect">
+            <a:avLst/>
+          </a:prstGeom>
+        </p:spPr>
+      </p:pic>
+      <p:pic>
+        <p:nvPicPr>
+          <p:cNvPr id="8" name="Picture 7">
+            <a:extLst>
+              <a:ext uri="{FF2B5EF4-FFF2-40B4-BE49-F238E27FC236}">
+                <a16:creationId xmlns:a16="http://schemas.microsoft.com/office/drawing/2014/main" id="{2D1283DE-8E17-C2F4-1E88-CA522D8CBDB4}"/>
+              </a:ext>
+            </a:extLst>
+          </p:cNvPr>
+          <p:cNvPicPr>
+            <a:picLocks noChangeAspect="1"/>
+          </p:cNvPicPr>
+          <p:nvPr/>
+        </p:nvPicPr>
+        <p:blipFill>
+          <a:blip r:embed="rId2"/>
+          <a:stretch>
+            <a:fillRect/>
+          </a:stretch>
+        </p:blipFill>
+        <p:spPr>
+          <a:xfrm>
+            <a:off x="5450977" y="3308098"/>
+            <a:ext cx="548696" cy="562587"/>
+          </a:xfrm>
+          <a:prstGeom prst="rect">
+            <a:avLst/>
+          </a:prstGeom>
+        </p:spPr>
+      </p:pic>
+      <p:pic>
+        <p:nvPicPr>
+          <p:cNvPr id="9" name="Picture 8">
+            <a:extLst>
+              <a:ext uri="{FF2B5EF4-FFF2-40B4-BE49-F238E27FC236}">
+                <a16:creationId xmlns:a16="http://schemas.microsoft.com/office/drawing/2014/main" id="{A35F513D-907B-5AB4-B189-3086DB0024B0}"/>
+              </a:ext>
+            </a:extLst>
+          </p:cNvPr>
+          <p:cNvPicPr>
+            <a:picLocks noChangeAspect="1"/>
+          </p:cNvPicPr>
+          <p:nvPr/>
+        </p:nvPicPr>
+        <p:blipFill>
+          <a:blip r:embed="rId2"/>
+          <a:stretch>
+            <a:fillRect/>
+          </a:stretch>
+        </p:blipFill>
+        <p:spPr>
+          <a:xfrm>
+            <a:off x="9455731" y="3336100"/>
+            <a:ext cx="548696" cy="562587"/>
+          </a:xfrm>
+          <a:prstGeom prst="rect">
+            <a:avLst/>
+          </a:prstGeom>
+        </p:spPr>
+      </p:pic>
+      <p:sp>
+        <p:nvSpPr>
+          <p:cNvPr id="10" name="Rounded Rectangle 9">
+            <a:extLst>
+              <a:ext uri="{FF2B5EF4-FFF2-40B4-BE49-F238E27FC236}">
+                <a16:creationId xmlns:a16="http://schemas.microsoft.com/office/drawing/2014/main" id="{9534A4B7-D7D6-FD3D-D8C7-8466D7501D5B}"/>
+              </a:ext>
+            </a:extLst>
+          </p:cNvPr>
+          <p:cNvSpPr/>
+          <p:nvPr/>
+        </p:nvSpPr>
+        <p:spPr>
+          <a:xfrm>
+            <a:off x="853187" y="4963566"/>
+            <a:ext cx="562064" cy="545284"/>
+          </a:xfrm>
+          <a:prstGeom prst="roundRect">
+            <a:avLst/>
+          </a:prstGeom>
+        </p:spPr>
+        <p:style>
+          <a:lnRef idx="2">
+            <a:schemeClr val="accent1">
+              <a:shade val="15000"/>
+            </a:schemeClr>
+          </a:lnRef>
+          <a:fillRef idx="1">
+            <a:schemeClr val="accent1"/>
+          </a:fillRef>
+          <a:effectRef idx="0">
+            <a:schemeClr val="accent1"/>
+          </a:effectRef>
+          <a:fontRef idx="minor">
+            <a:schemeClr val="lt1"/>
+          </a:fontRef>
+        </p:style>
+        <p:txBody>
+          <a:bodyPr rtlCol="0" anchor="ctr"/>
+          <a:lstStyle/>
+          <a:p>
+            <a:pPr algn="ctr"/>
+            <a:endParaRPr lang="en-BR"/>
+          </a:p>
+        </p:txBody>
+      </p:sp>
+      <p:sp>
+        <p:nvSpPr>
+          <p:cNvPr id="11" name="Rounded Rectangle 10">
+            <a:extLst>
+              <a:ext uri="{FF2B5EF4-FFF2-40B4-BE49-F238E27FC236}">
+                <a16:creationId xmlns:a16="http://schemas.microsoft.com/office/drawing/2014/main" id="{1943FBF9-7ED2-886D-35F4-F8AB7087DDD5}"/>
+              </a:ext>
+            </a:extLst>
+          </p:cNvPr>
+          <p:cNvSpPr/>
+          <p:nvPr/>
+        </p:nvSpPr>
+        <p:spPr>
+          <a:xfrm>
+            <a:off x="1625979" y="4963566"/>
+            <a:ext cx="562064" cy="545284"/>
+          </a:xfrm>
+          <a:prstGeom prst="roundRect">
+            <a:avLst/>
+          </a:prstGeom>
+        </p:spPr>
+        <p:style>
+          <a:lnRef idx="2">
+            <a:schemeClr val="accent1">
+              <a:shade val="15000"/>
+            </a:schemeClr>
+          </a:lnRef>
+          <a:fillRef idx="1">
+            <a:schemeClr val="accent1"/>
+          </a:fillRef>
+          <a:effectRef idx="0">
+            <a:schemeClr val="accent1"/>
+          </a:effectRef>
+          <a:fontRef idx="minor">
+            <a:schemeClr val="lt1"/>
+          </a:fontRef>
+        </p:style>
+        <p:txBody>
+          <a:bodyPr rtlCol="0" anchor="ctr"/>
+          <a:lstStyle/>
+          <a:p>
+            <a:pPr algn="ctr"/>
+            <a:endParaRPr lang="en-BR"/>
+          </a:p>
+        </p:txBody>
+      </p:sp>
+      <p:sp>
+        <p:nvSpPr>
+          <p:cNvPr id="12" name="Rounded Rectangle 11">
+            <a:extLst>
+              <a:ext uri="{FF2B5EF4-FFF2-40B4-BE49-F238E27FC236}">
+                <a16:creationId xmlns:a16="http://schemas.microsoft.com/office/drawing/2014/main" id="{E5691B13-04B6-B4EC-843E-7DF712F56CAC}"/>
+              </a:ext>
+            </a:extLst>
+          </p:cNvPr>
+          <p:cNvSpPr/>
+          <p:nvPr/>
+        </p:nvSpPr>
+        <p:spPr>
+          <a:xfrm>
+            <a:off x="2394751" y="4963566"/>
+            <a:ext cx="562064" cy="545284"/>
+          </a:xfrm>
+          <a:prstGeom prst="roundRect">
+            <a:avLst/>
+          </a:prstGeom>
+        </p:spPr>
+        <p:style>
+          <a:lnRef idx="2">
+            <a:schemeClr val="accent1">
+              <a:shade val="15000"/>
+            </a:schemeClr>
+          </a:lnRef>
+          <a:fillRef idx="1">
+            <a:schemeClr val="accent1"/>
+          </a:fillRef>
+          <a:effectRef idx="0">
+            <a:schemeClr val="accent1"/>
+          </a:effectRef>
+          <a:fontRef idx="minor">
+            <a:schemeClr val="lt1"/>
+          </a:fontRef>
+        </p:style>
+        <p:txBody>
+          <a:bodyPr rtlCol="0" anchor="ctr"/>
+          <a:lstStyle/>
+          <a:p>
+            <a:pPr algn="ctr"/>
+            <a:endParaRPr lang="en-BR"/>
+          </a:p>
+        </p:txBody>
+      </p:sp>
+      <p:sp>
+        <p:nvSpPr>
+          <p:cNvPr id="14" name="Rounded Rectangle 13">
+            <a:extLst>
+              <a:ext uri="{FF2B5EF4-FFF2-40B4-BE49-F238E27FC236}">
+                <a16:creationId xmlns:a16="http://schemas.microsoft.com/office/drawing/2014/main" id="{024DA3EF-1A55-ECF2-EE74-EE61C7F9DF98}"/>
+              </a:ext>
+            </a:extLst>
+          </p:cNvPr>
+          <p:cNvSpPr/>
+          <p:nvPr/>
+        </p:nvSpPr>
+        <p:spPr>
+          <a:xfrm>
+            <a:off x="4982942" y="4935563"/>
+            <a:ext cx="562064" cy="545284"/>
+          </a:xfrm>
+          <a:prstGeom prst="roundRect">
+            <a:avLst/>
+          </a:prstGeom>
+        </p:spPr>
+        <p:style>
+          <a:lnRef idx="2">
+            <a:schemeClr val="accent1">
+              <a:shade val="15000"/>
+            </a:schemeClr>
+          </a:lnRef>
+          <a:fillRef idx="1">
+            <a:schemeClr val="accent1"/>
+          </a:fillRef>
+          <a:effectRef idx="0">
+            <a:schemeClr val="accent1"/>
+          </a:effectRef>
+          <a:fontRef idx="minor">
+            <a:schemeClr val="lt1"/>
+          </a:fontRef>
+        </p:style>
+        <p:txBody>
+          <a:bodyPr rtlCol="0" anchor="ctr"/>
+          <a:lstStyle/>
+          <a:p>
+            <a:pPr algn="ctr"/>
+            <a:endParaRPr lang="en-BR"/>
+          </a:p>
+        </p:txBody>
+      </p:sp>
+      <p:sp>
+        <p:nvSpPr>
+          <p:cNvPr id="15" name="Rounded Rectangle 14">
+            <a:extLst>
+              <a:ext uri="{FF2B5EF4-FFF2-40B4-BE49-F238E27FC236}">
+                <a16:creationId xmlns:a16="http://schemas.microsoft.com/office/drawing/2014/main" id="{D09CEC53-01F9-EAE6-4416-DD940E32C2D4}"/>
+              </a:ext>
+            </a:extLst>
+          </p:cNvPr>
+          <p:cNvSpPr/>
+          <p:nvPr/>
+        </p:nvSpPr>
+        <p:spPr>
+          <a:xfrm>
+            <a:off x="5855382" y="4943779"/>
+            <a:ext cx="562064" cy="545284"/>
+          </a:xfrm>
+          <a:prstGeom prst="roundRect">
+            <a:avLst/>
+          </a:prstGeom>
+        </p:spPr>
+        <p:style>
+          <a:lnRef idx="2">
+            <a:schemeClr val="accent1">
+              <a:shade val="15000"/>
+            </a:schemeClr>
+          </a:lnRef>
+          <a:fillRef idx="1">
+            <a:schemeClr val="accent1"/>
+          </a:fillRef>
+          <a:effectRef idx="0">
+            <a:schemeClr val="accent1"/>
+          </a:effectRef>
+          <a:fontRef idx="minor">
+            <a:schemeClr val="lt1"/>
+          </a:fontRef>
+        </p:style>
+        <p:txBody>
+          <a:bodyPr rtlCol="0" anchor="ctr"/>
+          <a:lstStyle/>
+          <a:p>
+            <a:pPr algn="ctr"/>
+            <a:endParaRPr lang="en-BR"/>
+          </a:p>
+        </p:txBody>
+      </p:sp>
+      <p:sp>
+        <p:nvSpPr>
+          <p:cNvPr id="17" name="Rounded Rectangle 16">
+            <a:extLst>
+              <a:ext uri="{FF2B5EF4-FFF2-40B4-BE49-F238E27FC236}">
+                <a16:creationId xmlns:a16="http://schemas.microsoft.com/office/drawing/2014/main" id="{94344EFA-AF1A-5F89-239C-352B89C4231A}"/>
+              </a:ext>
+            </a:extLst>
+          </p:cNvPr>
+          <p:cNvSpPr/>
+          <p:nvPr/>
+        </p:nvSpPr>
+        <p:spPr>
+          <a:xfrm>
+            <a:off x="8658008" y="5017084"/>
+            <a:ext cx="562064" cy="545284"/>
+          </a:xfrm>
+          <a:prstGeom prst="roundRect">
+            <a:avLst/>
+          </a:prstGeom>
+        </p:spPr>
+        <p:style>
+          <a:lnRef idx="2">
+            <a:schemeClr val="accent1">
+              <a:shade val="15000"/>
+            </a:schemeClr>
+          </a:lnRef>
+          <a:fillRef idx="1">
+            <a:schemeClr val="accent1"/>
+          </a:fillRef>
+          <a:effectRef idx="0">
+            <a:schemeClr val="accent1"/>
+          </a:effectRef>
+          <a:fontRef idx="minor">
+            <a:schemeClr val="lt1"/>
+          </a:fontRef>
+        </p:style>
+        <p:txBody>
+          <a:bodyPr rtlCol="0" anchor="ctr"/>
+          <a:lstStyle/>
+          <a:p>
+            <a:pPr algn="ctr"/>
+            <a:endParaRPr lang="en-BR"/>
+          </a:p>
+        </p:txBody>
+      </p:sp>
+      <p:sp>
+        <p:nvSpPr>
+          <p:cNvPr id="18" name="Rounded Rectangle 17">
+            <a:extLst>
+              <a:ext uri="{FF2B5EF4-FFF2-40B4-BE49-F238E27FC236}">
+                <a16:creationId xmlns:a16="http://schemas.microsoft.com/office/drawing/2014/main" id="{C941A124-A614-656D-75C5-E8214CD08992}"/>
+              </a:ext>
+            </a:extLst>
+          </p:cNvPr>
+          <p:cNvSpPr/>
+          <p:nvPr/>
+        </p:nvSpPr>
+        <p:spPr>
+          <a:xfrm>
+            <a:off x="9465509" y="5711564"/>
+            <a:ext cx="562064" cy="545284"/>
+          </a:xfrm>
+          <a:prstGeom prst="roundRect">
+            <a:avLst/>
+          </a:prstGeom>
+        </p:spPr>
+        <p:style>
+          <a:lnRef idx="2">
+            <a:schemeClr val="accent1">
+              <a:shade val="15000"/>
+            </a:schemeClr>
+          </a:lnRef>
+          <a:fillRef idx="1">
+            <a:schemeClr val="accent1"/>
+          </a:fillRef>
+          <a:effectRef idx="0">
+            <a:schemeClr val="accent1"/>
+          </a:effectRef>
+          <a:fontRef idx="minor">
+            <a:schemeClr val="lt1"/>
+          </a:fontRef>
+        </p:style>
+        <p:txBody>
+          <a:bodyPr rtlCol="0" anchor="ctr"/>
+          <a:lstStyle/>
+          <a:p>
+            <a:pPr algn="ctr"/>
+            <a:endParaRPr lang="en-BR"/>
+          </a:p>
+        </p:txBody>
+      </p:sp>
+      <p:sp>
+        <p:nvSpPr>
+          <p:cNvPr id="19" name="Rounded Rectangle 18">
+            <a:extLst>
+              <a:ext uri="{FF2B5EF4-FFF2-40B4-BE49-F238E27FC236}">
+                <a16:creationId xmlns:a16="http://schemas.microsoft.com/office/drawing/2014/main" id="{5836CBBF-B2B2-8A71-7E57-E00B6321CBF1}"/>
+              </a:ext>
+            </a:extLst>
+          </p:cNvPr>
+          <p:cNvSpPr/>
+          <p:nvPr/>
+        </p:nvSpPr>
+        <p:spPr>
+          <a:xfrm>
+            <a:off x="10990841" y="4821092"/>
+            <a:ext cx="562064" cy="545284"/>
+          </a:xfrm>
+          <a:prstGeom prst="roundRect">
+            <a:avLst/>
+          </a:prstGeom>
+        </p:spPr>
+        <p:style>
+          <a:lnRef idx="2">
+            <a:schemeClr val="accent1">
+              <a:shade val="15000"/>
+            </a:schemeClr>
+          </a:lnRef>
+          <a:fillRef idx="1">
+            <a:schemeClr val="accent1"/>
+          </a:fillRef>
+          <a:effectRef idx="0">
+            <a:schemeClr val="accent1"/>
+          </a:effectRef>
+          <a:fontRef idx="minor">
+            <a:schemeClr val="lt1"/>
+          </a:fontRef>
+        </p:style>
+        <p:txBody>
+          <a:bodyPr rtlCol="0" anchor="ctr"/>
+          <a:lstStyle/>
+          <a:p>
+            <a:pPr algn="ctr"/>
+            <a:endParaRPr lang="en-BR"/>
+          </a:p>
+        </p:txBody>
+      </p:sp>
+      <p:sp>
+        <p:nvSpPr>
+          <p:cNvPr id="20" name="Oval 19">
+            <a:extLst>
+              <a:ext uri="{FF2B5EF4-FFF2-40B4-BE49-F238E27FC236}">
+                <a16:creationId xmlns:a16="http://schemas.microsoft.com/office/drawing/2014/main" id="{E3A69A18-467D-8F86-084A-4A68DD74B373}"/>
+              </a:ext>
+            </a:extLst>
+          </p:cNvPr>
+          <p:cNvSpPr/>
+          <p:nvPr/>
+        </p:nvSpPr>
+        <p:spPr>
+          <a:xfrm>
+            <a:off x="1668930" y="2044197"/>
+            <a:ext cx="476163" cy="478172"/>
+          </a:xfrm>
+          <a:prstGeom prst="ellipse">
+            <a:avLst/>
+          </a:prstGeom>
+        </p:spPr>
+        <p:style>
+          <a:lnRef idx="2">
+            <a:schemeClr val="accent1">
+              <a:shade val="15000"/>
+            </a:schemeClr>
+          </a:lnRef>
+          <a:fillRef idx="1">
+            <a:schemeClr val="accent1"/>
+          </a:fillRef>
+          <a:effectRef idx="0">
+            <a:schemeClr val="accent1"/>
+          </a:effectRef>
+          <a:fontRef idx="minor">
+            <a:schemeClr val="lt1"/>
+          </a:fontRef>
+        </p:style>
+        <p:txBody>
+          <a:bodyPr rtlCol="0" anchor="ctr"/>
+          <a:lstStyle/>
+          <a:p>
+            <a:pPr algn="ctr"/>
+            <a:endParaRPr lang="en-BR"/>
+          </a:p>
+        </p:txBody>
+      </p:sp>
+      <p:sp>
+        <p:nvSpPr>
+          <p:cNvPr id="21" name="Oval 20">
+            <a:extLst>
+              <a:ext uri="{FF2B5EF4-FFF2-40B4-BE49-F238E27FC236}">
+                <a16:creationId xmlns:a16="http://schemas.microsoft.com/office/drawing/2014/main" id="{C30E6B5E-67B0-0C87-02C0-FE22009B2783}"/>
+              </a:ext>
+            </a:extLst>
+          </p:cNvPr>
+          <p:cNvSpPr/>
+          <p:nvPr/>
+        </p:nvSpPr>
+        <p:spPr>
+          <a:xfrm>
+            <a:off x="5507738" y="2044197"/>
+            <a:ext cx="476163" cy="478172"/>
+          </a:xfrm>
+          <a:prstGeom prst="ellipse">
+            <a:avLst/>
+          </a:prstGeom>
+        </p:spPr>
+        <p:style>
+          <a:lnRef idx="2">
+            <a:schemeClr val="accent1">
+              <a:shade val="15000"/>
+            </a:schemeClr>
+          </a:lnRef>
+          <a:fillRef idx="1">
+            <a:schemeClr val="accent1"/>
+          </a:fillRef>
+          <a:effectRef idx="0">
+            <a:schemeClr val="accent1"/>
+          </a:effectRef>
+          <a:fontRef idx="minor">
+            <a:schemeClr val="lt1"/>
+          </a:fontRef>
+        </p:style>
+        <p:txBody>
+          <a:bodyPr rtlCol="0" anchor="ctr"/>
+          <a:lstStyle/>
+          <a:p>
+            <a:pPr algn="ctr"/>
+            <a:endParaRPr lang="en-BR"/>
+          </a:p>
+        </p:txBody>
+      </p:sp>
+      <p:sp>
+        <p:nvSpPr>
+          <p:cNvPr id="22" name="Oval 21">
+            <a:extLst>
+              <a:ext uri="{FF2B5EF4-FFF2-40B4-BE49-F238E27FC236}">
+                <a16:creationId xmlns:a16="http://schemas.microsoft.com/office/drawing/2014/main" id="{A1935BD9-801B-4418-F3FD-263A4DA7636D}"/>
+              </a:ext>
+            </a:extLst>
+          </p:cNvPr>
+          <p:cNvSpPr/>
+          <p:nvPr/>
+        </p:nvSpPr>
+        <p:spPr>
+          <a:xfrm>
+            <a:off x="9491998" y="2071892"/>
+            <a:ext cx="476163" cy="478172"/>
+          </a:xfrm>
+          <a:prstGeom prst="ellipse">
+            <a:avLst/>
+          </a:prstGeom>
+        </p:spPr>
+        <p:style>
+          <a:lnRef idx="2">
+            <a:schemeClr val="accent1">
+              <a:shade val="15000"/>
+            </a:schemeClr>
+          </a:lnRef>
+          <a:fillRef idx="1">
+            <a:schemeClr val="accent1"/>
+          </a:fillRef>
+          <a:effectRef idx="0">
+            <a:schemeClr val="accent1"/>
+          </a:effectRef>
+          <a:fontRef idx="minor">
+            <a:schemeClr val="lt1"/>
+          </a:fontRef>
+        </p:style>
+        <p:txBody>
+          <a:bodyPr rtlCol="0" anchor="ctr"/>
+          <a:lstStyle/>
+          <a:p>
+            <a:pPr algn="ctr"/>
+            <a:endParaRPr lang="en-BR"/>
+          </a:p>
+        </p:txBody>
+      </p:sp>
+      <p:cxnSp>
+        <p:nvCxnSpPr>
+          <p:cNvPr id="24" name="Straight Arrow Connector 23">
+            <a:extLst>
+              <a:ext uri="{FF2B5EF4-FFF2-40B4-BE49-F238E27FC236}">
+                <a16:creationId xmlns:a16="http://schemas.microsoft.com/office/drawing/2014/main" id="{C2BFA434-EB4A-C1AE-F9EC-9EFF48205717}"/>
+              </a:ext>
+            </a:extLst>
+          </p:cNvPr>
+          <p:cNvCxnSpPr>
+            <a:stCxn id="20" idx="4"/>
+            <a:endCxn id="7" idx="0"/>
+          </p:cNvCxnSpPr>
+          <p:nvPr/>
+        </p:nvCxnSpPr>
+        <p:spPr>
+          <a:xfrm>
+            <a:off x="1907012" y="2522369"/>
+            <a:ext cx="5402" cy="813731"/>
+          </a:xfrm>
+          <a:prstGeom prst="straightConnector1">
+            <a:avLst/>
+          </a:prstGeom>
+          <a:ln>
+            <a:tailEnd type="triangle"/>
+          </a:ln>
+        </p:spPr>
+        <p:style>
+          <a:lnRef idx="2">
+            <a:schemeClr val="accent1"/>
+          </a:lnRef>
+          <a:fillRef idx="0">
+            <a:schemeClr val="accent1"/>
+          </a:fillRef>
+          <a:effectRef idx="1">
+            <a:schemeClr val="accent1"/>
+          </a:effectRef>
+          <a:fontRef idx="minor">
+            <a:schemeClr val="tx1"/>
+          </a:fontRef>
+        </p:style>
+      </p:cxnSp>
+      <p:cxnSp>
+        <p:nvCxnSpPr>
+          <p:cNvPr id="26" name="Straight Arrow Connector 25">
+            <a:extLst>
+              <a:ext uri="{FF2B5EF4-FFF2-40B4-BE49-F238E27FC236}">
+                <a16:creationId xmlns:a16="http://schemas.microsoft.com/office/drawing/2014/main" id="{815029E0-33BC-C831-EDDA-BC476474AC94}"/>
+              </a:ext>
+            </a:extLst>
+          </p:cNvPr>
+          <p:cNvCxnSpPr>
+            <a:stCxn id="7" idx="2"/>
+            <a:endCxn id="12" idx="0"/>
+          </p:cNvCxnSpPr>
+          <p:nvPr/>
+        </p:nvCxnSpPr>
+        <p:spPr>
+          <a:xfrm>
+            <a:off x="1912414" y="3898687"/>
+            <a:ext cx="763369" cy="1064879"/>
+          </a:xfrm>
+          <a:prstGeom prst="straightConnector1">
+            <a:avLst/>
+          </a:prstGeom>
+          <a:ln>
+            <a:tailEnd type="triangle"/>
+          </a:ln>
+        </p:spPr>
+        <p:style>
+          <a:lnRef idx="2">
+            <a:schemeClr val="accent6"/>
+          </a:lnRef>
+          <a:fillRef idx="0">
+            <a:schemeClr val="accent6"/>
+          </a:fillRef>
+          <a:effectRef idx="1">
+            <a:schemeClr val="accent6"/>
+          </a:effectRef>
+          <a:fontRef idx="minor">
+            <a:schemeClr val="tx1"/>
+          </a:fontRef>
+        </p:style>
+      </p:cxnSp>
+      <p:cxnSp>
+        <p:nvCxnSpPr>
+          <p:cNvPr id="28" name="Straight Arrow Connector 27">
+            <a:extLst>
+              <a:ext uri="{FF2B5EF4-FFF2-40B4-BE49-F238E27FC236}">
+                <a16:creationId xmlns:a16="http://schemas.microsoft.com/office/drawing/2014/main" id="{5CA0C457-B55D-B40A-0DDE-58F6A39AC713}"/>
+              </a:ext>
+            </a:extLst>
+          </p:cNvPr>
+          <p:cNvCxnSpPr>
+            <a:stCxn id="7" idx="2"/>
+            <a:endCxn id="11" idx="0"/>
+          </p:cNvCxnSpPr>
+          <p:nvPr/>
+        </p:nvCxnSpPr>
+        <p:spPr>
+          <a:xfrm flipH="1">
+            <a:off x="1907011" y="3898687"/>
+            <a:ext cx="5403" cy="1064879"/>
+          </a:xfrm>
+          <a:prstGeom prst="straightConnector1">
+            <a:avLst/>
+          </a:prstGeom>
+          <a:ln w="19050" cap="flat" cmpd="sng" algn="ctr">
+            <a:solidFill>
+              <a:schemeClr val="accent1"/>
+            </a:solidFill>
+            <a:prstDash val="dash"/>
+            <a:round/>
+            <a:headEnd type="none" w="med" len="med"/>
+            <a:tailEnd type="none" w="med" len="med"/>
+          </a:ln>
+        </p:spPr>
+        <p:style>
+          <a:lnRef idx="0">
+            <a:scrgbClr r="0" g="0" b="0"/>
+          </a:lnRef>
+          <a:fillRef idx="0">
+            <a:scrgbClr r="0" g="0" b="0"/>
+          </a:fillRef>
+          <a:effectRef idx="0">
+            <a:scrgbClr r="0" g="0" b="0"/>
+          </a:effectRef>
+          <a:fontRef idx="minor">
+            <a:schemeClr val="tx1"/>
+          </a:fontRef>
+        </p:style>
+      </p:cxnSp>
+      <p:cxnSp>
+        <p:nvCxnSpPr>
+          <p:cNvPr id="30" name="Straight Arrow Connector 29">
+            <a:extLst>
+              <a:ext uri="{FF2B5EF4-FFF2-40B4-BE49-F238E27FC236}">
+                <a16:creationId xmlns:a16="http://schemas.microsoft.com/office/drawing/2014/main" id="{7F50E884-8D4D-F56C-378E-B9F4EBBC732E}"/>
+              </a:ext>
+            </a:extLst>
+          </p:cNvPr>
+          <p:cNvCxnSpPr>
+            <a:stCxn id="7" idx="2"/>
+            <a:endCxn id="10" idx="0"/>
+          </p:cNvCxnSpPr>
+          <p:nvPr/>
+        </p:nvCxnSpPr>
+        <p:spPr>
+          <a:xfrm flipH="1">
+            <a:off x="1134219" y="3898687"/>
+            <a:ext cx="778195" cy="1064879"/>
+          </a:xfrm>
+          <a:prstGeom prst="straightConnector1">
+            <a:avLst/>
+          </a:prstGeom>
+          <a:ln w="19050" cap="flat" cmpd="sng" algn="ctr">
+            <a:solidFill>
+              <a:schemeClr val="accent1"/>
+            </a:solidFill>
+            <a:prstDash val="dash"/>
+            <a:round/>
+            <a:headEnd type="none" w="med" len="med"/>
+            <a:tailEnd type="none" w="med" len="med"/>
+          </a:ln>
+        </p:spPr>
+        <p:style>
+          <a:lnRef idx="0">
+            <a:scrgbClr r="0" g="0" b="0"/>
+          </a:lnRef>
+          <a:fillRef idx="0">
+            <a:scrgbClr r="0" g="0" b="0"/>
+          </a:fillRef>
+          <a:effectRef idx="0">
+            <a:scrgbClr r="0" g="0" b="0"/>
+          </a:effectRef>
+          <a:fontRef idx="minor">
+            <a:schemeClr val="tx1"/>
+          </a:fontRef>
+        </p:style>
+      </p:cxnSp>
+      <p:sp>
+        <p:nvSpPr>
+          <p:cNvPr id="31" name="TextBox 30">
+            <a:extLst>
+              <a:ext uri="{FF2B5EF4-FFF2-40B4-BE49-F238E27FC236}">
+                <a16:creationId xmlns:a16="http://schemas.microsoft.com/office/drawing/2014/main" id="{498D9AFE-9FD3-20DC-0480-3256B12619B8}"/>
+              </a:ext>
+            </a:extLst>
+          </p:cNvPr>
+          <p:cNvSpPr txBox="1"/>
+          <p:nvPr/>
+        </p:nvSpPr>
+        <p:spPr>
+          <a:xfrm>
+            <a:off x="2527904" y="4505995"/>
+            <a:ext cx="620893" cy="369332"/>
+          </a:xfrm>
+          <a:prstGeom prst="rect">
+            <a:avLst/>
+          </a:prstGeom>
+          <a:noFill/>
+        </p:spPr>
+        <p:txBody>
+          <a:bodyPr wrap="square" rtlCol="0">
+            <a:spAutoFit/>
+          </a:bodyPr>
+          <a:lstStyle/>
+          <a:p>
+            <a:r>
+              <a:rPr lang="en-BR" dirty="0"/>
+              <a:t>0.1s</a:t>
+            </a:r>
+          </a:p>
+        </p:txBody>
+      </p:sp>
+      <p:sp>
+        <p:nvSpPr>
+          <p:cNvPr id="32" name="TextBox 31">
+            <a:extLst>
+              <a:ext uri="{FF2B5EF4-FFF2-40B4-BE49-F238E27FC236}">
+                <a16:creationId xmlns:a16="http://schemas.microsoft.com/office/drawing/2014/main" id="{875DFCBD-B8D7-CFF6-7A74-2AB069FD394F}"/>
+              </a:ext>
+            </a:extLst>
+          </p:cNvPr>
+          <p:cNvSpPr txBox="1"/>
+          <p:nvPr/>
+        </p:nvSpPr>
+        <p:spPr>
+          <a:xfrm>
+            <a:off x="565282" y="4594234"/>
+            <a:ext cx="620893" cy="369332"/>
+          </a:xfrm>
+          <a:prstGeom prst="rect">
+            <a:avLst/>
+          </a:prstGeom>
+          <a:noFill/>
+        </p:spPr>
+        <p:txBody>
+          <a:bodyPr wrap="square" rtlCol="0">
+            <a:spAutoFit/>
+          </a:bodyPr>
+          <a:lstStyle/>
+          <a:p>
+            <a:r>
+              <a:rPr lang="en-BR" dirty="0"/>
+              <a:t>0.5s</a:t>
+            </a:r>
+          </a:p>
+        </p:txBody>
+      </p:sp>
+      <p:sp>
+        <p:nvSpPr>
+          <p:cNvPr id="33" name="TextBox 32">
+            <a:extLst>
+              <a:ext uri="{FF2B5EF4-FFF2-40B4-BE49-F238E27FC236}">
+                <a16:creationId xmlns:a16="http://schemas.microsoft.com/office/drawing/2014/main" id="{6681402C-BC08-B251-8351-F33CACCECEE0}"/>
+              </a:ext>
+            </a:extLst>
+          </p:cNvPr>
+          <p:cNvSpPr txBox="1"/>
+          <p:nvPr/>
+        </p:nvSpPr>
+        <p:spPr>
+          <a:xfrm>
+            <a:off x="1320648" y="4594234"/>
+            <a:ext cx="620893" cy="369332"/>
+          </a:xfrm>
+          <a:prstGeom prst="rect">
+            <a:avLst/>
+          </a:prstGeom>
+          <a:noFill/>
+        </p:spPr>
+        <p:txBody>
+          <a:bodyPr wrap="square" rtlCol="0">
+            <a:spAutoFit/>
+          </a:bodyPr>
+          <a:lstStyle/>
+          <a:p>
+            <a:r>
+              <a:rPr lang="en-BR" dirty="0"/>
+              <a:t>0.3s</a:t>
+            </a:r>
+          </a:p>
+        </p:txBody>
+      </p:sp>
+      <p:cxnSp>
+        <p:nvCxnSpPr>
+          <p:cNvPr id="34" name="Straight Arrow Connector 33">
+            <a:extLst>
+              <a:ext uri="{FF2B5EF4-FFF2-40B4-BE49-F238E27FC236}">
+                <a16:creationId xmlns:a16="http://schemas.microsoft.com/office/drawing/2014/main" id="{DE24BC9A-8921-8D0A-9BE9-96D5CC5B7D78}"/>
+              </a:ext>
+            </a:extLst>
+          </p:cNvPr>
+          <p:cNvCxnSpPr/>
+          <p:nvPr/>
+        </p:nvCxnSpPr>
+        <p:spPr>
+          <a:xfrm>
+            <a:off x="5745819" y="2522369"/>
+            <a:ext cx="5402" cy="813731"/>
+          </a:xfrm>
+          <a:prstGeom prst="straightConnector1">
+            <a:avLst/>
+          </a:prstGeom>
+          <a:ln>
+            <a:tailEnd type="triangle"/>
+          </a:ln>
+        </p:spPr>
+        <p:style>
+          <a:lnRef idx="2">
+            <a:schemeClr val="accent1"/>
+          </a:lnRef>
+          <a:fillRef idx="0">
+            <a:schemeClr val="accent1"/>
+          </a:fillRef>
+          <a:effectRef idx="1">
+            <a:schemeClr val="accent1"/>
+          </a:effectRef>
+          <a:fontRef idx="minor">
+            <a:schemeClr val="tx1"/>
+          </a:fontRef>
+        </p:style>
+      </p:cxnSp>
+      <p:cxnSp>
+        <p:nvCxnSpPr>
+          <p:cNvPr id="35" name="Straight Arrow Connector 34">
+            <a:extLst>
+              <a:ext uri="{FF2B5EF4-FFF2-40B4-BE49-F238E27FC236}">
+                <a16:creationId xmlns:a16="http://schemas.microsoft.com/office/drawing/2014/main" id="{63C2D691-8C9D-1EA2-5914-54AE7744A5AA}"/>
+              </a:ext>
+            </a:extLst>
+          </p:cNvPr>
+          <p:cNvCxnSpPr>
+            <a:cxnSpLocks/>
+            <a:endCxn id="15" idx="0"/>
+          </p:cNvCxnSpPr>
+          <p:nvPr/>
+        </p:nvCxnSpPr>
+        <p:spPr>
+          <a:xfrm>
+            <a:off x="5745819" y="3870684"/>
+            <a:ext cx="390595" cy="1073095"/>
+          </a:xfrm>
+          <a:prstGeom prst="straightConnector1">
+            <a:avLst/>
+          </a:prstGeom>
+          <a:ln>
+            <a:tailEnd type="triangle"/>
+          </a:ln>
+        </p:spPr>
+        <p:style>
+          <a:lnRef idx="2">
+            <a:schemeClr val="accent6"/>
+          </a:lnRef>
+          <a:fillRef idx="0">
+            <a:schemeClr val="accent6"/>
+          </a:fillRef>
+          <a:effectRef idx="1">
+            <a:schemeClr val="accent6"/>
+          </a:effectRef>
+          <a:fontRef idx="minor">
+            <a:schemeClr val="tx1"/>
+          </a:fontRef>
+        </p:style>
+      </p:cxnSp>
+      <p:sp>
+        <p:nvSpPr>
+          <p:cNvPr id="37" name="TextBox 36">
+            <a:extLst>
+              <a:ext uri="{FF2B5EF4-FFF2-40B4-BE49-F238E27FC236}">
+                <a16:creationId xmlns:a16="http://schemas.microsoft.com/office/drawing/2014/main" id="{F97EF6FE-8F04-A82B-00CC-424DA0858439}"/>
+              </a:ext>
+            </a:extLst>
+          </p:cNvPr>
+          <p:cNvSpPr txBox="1"/>
+          <p:nvPr/>
+        </p:nvSpPr>
+        <p:spPr>
+          <a:xfrm>
+            <a:off x="5947139" y="4123349"/>
+            <a:ext cx="780175" cy="307777"/>
+          </a:xfrm>
+          <a:prstGeom prst="rect">
+            <a:avLst/>
+          </a:prstGeom>
+          <a:noFill/>
+        </p:spPr>
+        <p:txBody>
+          <a:bodyPr wrap="square" rtlCol="0">
+            <a:spAutoFit/>
+          </a:bodyPr>
+          <a:lstStyle/>
+          <a:p>
+            <a:r>
+              <a:rPr lang="en-BR" sz="1400" dirty="0"/>
+              <a:t>healthy</a:t>
+            </a:r>
+          </a:p>
+        </p:txBody>
+      </p:sp>
+      <p:cxnSp>
+        <p:nvCxnSpPr>
+          <p:cNvPr id="38" name="Straight Arrow Connector 37">
+            <a:extLst>
+              <a:ext uri="{FF2B5EF4-FFF2-40B4-BE49-F238E27FC236}">
+                <a16:creationId xmlns:a16="http://schemas.microsoft.com/office/drawing/2014/main" id="{D0F384C5-E900-F28C-449D-F6C456B2B6FF}"/>
+              </a:ext>
+            </a:extLst>
+          </p:cNvPr>
+          <p:cNvCxnSpPr>
+            <a:cxnSpLocks/>
+            <a:stCxn id="8" idx="2"/>
+            <a:endCxn id="14" idx="0"/>
+          </p:cNvCxnSpPr>
+          <p:nvPr/>
+        </p:nvCxnSpPr>
+        <p:spPr>
+          <a:xfrm flipH="1">
+            <a:off x="5263974" y="3870685"/>
+            <a:ext cx="461351" cy="1064878"/>
+          </a:xfrm>
+          <a:prstGeom prst="straightConnector1">
+            <a:avLst/>
+          </a:prstGeom>
+          <a:ln>
+            <a:solidFill>
+              <a:srgbClr val="C00000"/>
+            </a:solidFill>
+            <a:tailEnd type="triangle"/>
+          </a:ln>
+        </p:spPr>
+        <p:style>
+          <a:lnRef idx="2">
+            <a:schemeClr val="accent6"/>
+          </a:lnRef>
+          <a:fillRef idx="0">
+            <a:schemeClr val="accent6"/>
+          </a:fillRef>
+          <a:effectRef idx="1">
+            <a:schemeClr val="accent6"/>
+          </a:effectRef>
+          <a:fontRef idx="minor">
+            <a:schemeClr val="tx1"/>
+          </a:fontRef>
+        </p:style>
+      </p:cxnSp>
+      <p:sp>
+        <p:nvSpPr>
+          <p:cNvPr id="41" name="TextBox 40">
+            <a:extLst>
+              <a:ext uri="{FF2B5EF4-FFF2-40B4-BE49-F238E27FC236}">
+                <a16:creationId xmlns:a16="http://schemas.microsoft.com/office/drawing/2014/main" id="{8713A8F6-1EE7-2668-A08C-ACF3024146FA}"/>
+              </a:ext>
+            </a:extLst>
+          </p:cNvPr>
+          <p:cNvSpPr txBox="1"/>
+          <p:nvPr/>
+        </p:nvSpPr>
+        <p:spPr>
+          <a:xfrm>
+            <a:off x="4515118" y="4123349"/>
+            <a:ext cx="983210" cy="307777"/>
+          </a:xfrm>
+          <a:prstGeom prst="rect">
+            <a:avLst/>
+          </a:prstGeom>
+          <a:noFill/>
+        </p:spPr>
+        <p:txBody>
+          <a:bodyPr wrap="square" rtlCol="0">
+            <a:spAutoFit/>
+          </a:bodyPr>
+          <a:lstStyle/>
+          <a:p>
+            <a:r>
+              <a:rPr lang="en-BR" sz="1400" dirty="0"/>
+              <a:t>unhealthy</a:t>
+            </a:r>
+          </a:p>
+        </p:txBody>
+      </p:sp>
+      <p:cxnSp>
+        <p:nvCxnSpPr>
+          <p:cNvPr id="42" name="Straight Arrow Connector 41">
+            <a:extLst>
+              <a:ext uri="{FF2B5EF4-FFF2-40B4-BE49-F238E27FC236}">
+                <a16:creationId xmlns:a16="http://schemas.microsoft.com/office/drawing/2014/main" id="{3A9D2605-C971-E3F5-B182-CC58F6177DBC}"/>
+              </a:ext>
+            </a:extLst>
+          </p:cNvPr>
+          <p:cNvCxnSpPr/>
+          <p:nvPr/>
+        </p:nvCxnSpPr>
+        <p:spPr>
+          <a:xfrm>
+            <a:off x="9732894" y="2550064"/>
+            <a:ext cx="5402" cy="813731"/>
+          </a:xfrm>
+          <a:prstGeom prst="straightConnector1">
+            <a:avLst/>
+          </a:prstGeom>
+          <a:ln>
+            <a:tailEnd type="triangle"/>
+          </a:ln>
+        </p:spPr>
+        <p:style>
+          <a:lnRef idx="2">
+            <a:schemeClr val="accent1"/>
+          </a:lnRef>
+          <a:fillRef idx="0">
+            <a:schemeClr val="accent1"/>
+          </a:fillRef>
+          <a:effectRef idx="1">
+            <a:schemeClr val="accent1"/>
+          </a:effectRef>
+          <a:fontRef idx="minor">
+            <a:schemeClr val="tx1"/>
+          </a:fontRef>
+        </p:style>
+      </p:cxnSp>
+      <p:cxnSp>
+        <p:nvCxnSpPr>
+          <p:cNvPr id="43" name="Straight Arrow Connector 42">
+            <a:extLst>
+              <a:ext uri="{FF2B5EF4-FFF2-40B4-BE49-F238E27FC236}">
+                <a16:creationId xmlns:a16="http://schemas.microsoft.com/office/drawing/2014/main" id="{059694C0-4F4B-2FD9-DB58-2205D8C41B6A}"/>
+              </a:ext>
+            </a:extLst>
+          </p:cNvPr>
+          <p:cNvCxnSpPr>
+            <a:cxnSpLocks/>
+            <a:stCxn id="9" idx="2"/>
+            <a:endCxn id="19" idx="1"/>
+          </p:cNvCxnSpPr>
+          <p:nvPr/>
+        </p:nvCxnSpPr>
+        <p:spPr>
+          <a:xfrm>
+            <a:off x="9730079" y="3898687"/>
+            <a:ext cx="1260762" cy="1195047"/>
+          </a:xfrm>
+          <a:prstGeom prst="straightConnector1">
+            <a:avLst/>
+          </a:prstGeom>
+          <a:ln>
+            <a:tailEnd type="triangle"/>
+          </a:ln>
+        </p:spPr>
+        <p:style>
+          <a:lnRef idx="2">
+            <a:schemeClr val="accent6"/>
+          </a:lnRef>
+          <a:fillRef idx="0">
+            <a:schemeClr val="accent6"/>
+          </a:fillRef>
+          <a:effectRef idx="1">
+            <a:schemeClr val="accent6"/>
+          </a:effectRef>
+          <a:fontRef idx="minor">
+            <a:schemeClr val="tx1"/>
+          </a:fontRef>
+        </p:style>
+      </p:cxnSp>
+      <p:cxnSp>
+        <p:nvCxnSpPr>
+          <p:cNvPr id="45" name="Straight Arrow Connector 44">
+            <a:extLst>
+              <a:ext uri="{FF2B5EF4-FFF2-40B4-BE49-F238E27FC236}">
+                <a16:creationId xmlns:a16="http://schemas.microsoft.com/office/drawing/2014/main" id="{4B697264-0019-9855-78BC-0A78D6ED34FF}"/>
+              </a:ext>
+            </a:extLst>
+          </p:cNvPr>
+          <p:cNvCxnSpPr>
+            <a:cxnSpLocks/>
+            <a:stCxn id="9" idx="2"/>
+            <a:endCxn id="18" idx="0"/>
+          </p:cNvCxnSpPr>
+          <p:nvPr/>
+        </p:nvCxnSpPr>
+        <p:spPr>
+          <a:xfrm>
+            <a:off x="9730079" y="3898687"/>
+            <a:ext cx="16462" cy="1812877"/>
+          </a:xfrm>
+          <a:prstGeom prst="straightConnector1">
+            <a:avLst/>
+          </a:prstGeom>
+          <a:ln>
+            <a:tailEnd type="triangle"/>
+          </a:ln>
+        </p:spPr>
+        <p:style>
+          <a:lnRef idx="2">
+            <a:schemeClr val="accent6"/>
+          </a:lnRef>
+          <a:fillRef idx="0">
+            <a:schemeClr val="accent6"/>
+          </a:fillRef>
+          <a:effectRef idx="1">
+            <a:schemeClr val="accent6"/>
+          </a:effectRef>
+          <a:fontRef idx="minor">
+            <a:schemeClr val="tx1"/>
+          </a:fontRef>
+        </p:style>
+      </p:cxnSp>
+      <p:cxnSp>
+        <p:nvCxnSpPr>
+          <p:cNvPr id="49" name="Straight Arrow Connector 48">
+            <a:extLst>
+              <a:ext uri="{FF2B5EF4-FFF2-40B4-BE49-F238E27FC236}">
+                <a16:creationId xmlns:a16="http://schemas.microsoft.com/office/drawing/2014/main" id="{C03E7C4A-16DF-199F-D909-5335F7D3743C}"/>
+              </a:ext>
+            </a:extLst>
+          </p:cNvPr>
+          <p:cNvCxnSpPr>
+            <a:cxnSpLocks/>
+            <a:stCxn id="9" idx="2"/>
+          </p:cNvCxnSpPr>
+          <p:nvPr/>
+        </p:nvCxnSpPr>
+        <p:spPr>
+          <a:xfrm flipH="1">
+            <a:off x="8919149" y="3898687"/>
+            <a:ext cx="810930" cy="1118397"/>
+          </a:xfrm>
+          <a:prstGeom prst="straightConnector1">
+            <a:avLst/>
+          </a:prstGeom>
+          <a:ln>
+            <a:tailEnd type="triangle"/>
+          </a:ln>
+        </p:spPr>
+        <p:style>
+          <a:lnRef idx="2">
+            <a:schemeClr val="accent6"/>
+          </a:lnRef>
+          <a:fillRef idx="0">
+            <a:schemeClr val="accent6"/>
+          </a:fillRef>
+          <a:effectRef idx="1">
+            <a:schemeClr val="accent6"/>
+          </a:effectRef>
+          <a:fontRef idx="minor">
+            <a:schemeClr val="tx1"/>
+          </a:fontRef>
+        </p:style>
+      </p:cxnSp>
+      <p:sp>
+        <p:nvSpPr>
+          <p:cNvPr id="51" name="TextBox 50">
+            <a:extLst>
+              <a:ext uri="{FF2B5EF4-FFF2-40B4-BE49-F238E27FC236}">
+                <a16:creationId xmlns:a16="http://schemas.microsoft.com/office/drawing/2014/main" id="{A97A84AB-EB0D-2888-517C-4E69DF52496B}"/>
+              </a:ext>
+            </a:extLst>
+          </p:cNvPr>
+          <p:cNvSpPr txBox="1"/>
+          <p:nvPr/>
+        </p:nvSpPr>
+        <p:spPr>
+          <a:xfrm>
+            <a:off x="8801158" y="4227960"/>
+            <a:ext cx="461986" cy="338554"/>
+          </a:xfrm>
+          <a:prstGeom prst="rect">
+            <a:avLst/>
+          </a:prstGeom>
+          <a:noFill/>
+        </p:spPr>
+        <p:txBody>
+          <a:bodyPr wrap="none" rtlCol="0">
+            <a:spAutoFit/>
+          </a:bodyPr>
+          <a:lstStyle/>
+          <a:p>
+            <a:r>
+              <a:rPr lang="en-BR" sz="1600" dirty="0"/>
+              <a:t>0.3</a:t>
+            </a:r>
+          </a:p>
+        </p:txBody>
+      </p:sp>
+      <p:sp>
+        <p:nvSpPr>
+          <p:cNvPr id="52" name="TextBox 51">
+            <a:extLst>
+              <a:ext uri="{FF2B5EF4-FFF2-40B4-BE49-F238E27FC236}">
+                <a16:creationId xmlns:a16="http://schemas.microsoft.com/office/drawing/2014/main" id="{36844611-BB66-B46C-D902-4DDD11FB1E52}"/>
+              </a:ext>
+            </a:extLst>
+          </p:cNvPr>
+          <p:cNvSpPr txBox="1"/>
+          <p:nvPr/>
+        </p:nvSpPr>
+        <p:spPr>
+          <a:xfrm>
+            <a:off x="10360460" y="4227960"/>
+            <a:ext cx="461986" cy="338554"/>
+          </a:xfrm>
+          <a:prstGeom prst="rect">
+            <a:avLst/>
+          </a:prstGeom>
+          <a:noFill/>
+        </p:spPr>
+        <p:txBody>
+          <a:bodyPr wrap="none" rtlCol="0">
+            <a:spAutoFit/>
+          </a:bodyPr>
+          <a:lstStyle/>
+          <a:p>
+            <a:r>
+              <a:rPr lang="en-BR" sz="1600" dirty="0"/>
+              <a:t>0.5</a:t>
+            </a:r>
+          </a:p>
+        </p:txBody>
+      </p:sp>
+      <p:sp>
+        <p:nvSpPr>
+          <p:cNvPr id="56" name="TextBox 55">
+            <a:extLst>
+              <a:ext uri="{FF2B5EF4-FFF2-40B4-BE49-F238E27FC236}">
+                <a16:creationId xmlns:a16="http://schemas.microsoft.com/office/drawing/2014/main" id="{4E885E34-92DD-110B-16D1-1C242BD4C197}"/>
+              </a:ext>
+            </a:extLst>
+          </p:cNvPr>
+          <p:cNvSpPr txBox="1"/>
+          <p:nvPr/>
+        </p:nvSpPr>
+        <p:spPr>
+          <a:xfrm>
+            <a:off x="9750318" y="5208205"/>
+            <a:ext cx="461986" cy="338554"/>
+          </a:xfrm>
+          <a:prstGeom prst="rect">
+            <a:avLst/>
+          </a:prstGeom>
+          <a:noFill/>
+        </p:spPr>
+        <p:txBody>
+          <a:bodyPr wrap="none" rtlCol="0">
+            <a:spAutoFit/>
+          </a:bodyPr>
+          <a:lstStyle/>
+          <a:p>
+            <a:r>
+              <a:rPr lang="en-BR" sz="1600" dirty="0"/>
+              <a:t>0.2</a:t>
+            </a:r>
+          </a:p>
+        </p:txBody>
+      </p:sp>
+    </p:spTree>
+    <p:extLst>
+      <p:ext uri="{BB962C8B-B14F-4D97-AF65-F5344CB8AC3E}">
+        <p14:creationId xmlns:p14="http://schemas.microsoft.com/office/powerpoint/2010/main" val="2420249839"/>
+      </p:ext>
+    </p:extLst>
+  </p:cSld>
+  <p:clrMapOvr>
+    <a:masterClrMapping/>
+  </p:clrMapOvr>
+</p:sld>
+</file>
+
+<file path=ppt/slides/slide9.xml><?xml version="1.0" encoding="utf-8"?>
+<p:sld xmlns:a="http://schemas.openxmlformats.org/drawingml/2006/main" xmlns:r="http://schemas.openxmlformats.org/officeDocument/2006/relationships" xmlns:p="http://schemas.openxmlformats.org/presentationml/2006/main">
+  <p:cSld>
+    <p:spTree>
+      <p:nvGrpSpPr>
+        <p:cNvPr id="1" name=""/>
+        <p:cNvGrpSpPr/>
+        <p:nvPr/>
+      </p:nvGrpSpPr>
+      <p:grpSpPr>
+        <a:xfrm>
+          <a:off x="0" y="0"/>
+          <a:ext cx="0" cy="0"/>
+          <a:chOff x="0" y="0"/>
+          <a:chExt cx="0" cy="0"/>
+        </a:xfrm>
+      </p:grpSpPr>
+      <p:sp>
+        <p:nvSpPr>
+          <p:cNvPr id="2" name="TextBox 1">
+            <a:extLst>
+              <a:ext uri="{FF2B5EF4-FFF2-40B4-BE49-F238E27FC236}">
+                <a16:creationId xmlns:a16="http://schemas.microsoft.com/office/drawing/2014/main" id="{043DDEE3-9C0C-4C0F-0EE9-F7EC6EB99510}"/>
+              </a:ext>
+            </a:extLst>
+          </p:cNvPr>
+          <p:cNvSpPr txBox="1"/>
+          <p:nvPr/>
+        </p:nvSpPr>
+        <p:spPr>
+          <a:xfrm>
+            <a:off x="324693" y="259462"/>
+            <a:ext cx="1313373" cy="446276"/>
+          </a:xfrm>
+          <a:prstGeom prst="rect">
+            <a:avLst/>
+          </a:prstGeom>
+          <a:noFill/>
+        </p:spPr>
+        <p:txBody>
+          <a:bodyPr wrap="none" rtlCol="0">
+            <a:spAutoFit/>
+          </a:bodyPr>
+          <a:lstStyle/>
+          <a:p>
+            <a:r>
+              <a:rPr lang="en-BR" sz="2300" dirty="0"/>
+              <a:t>Route 53</a:t>
+            </a:r>
+          </a:p>
+        </p:txBody>
+      </p:sp>
       <p:pic>
         <p:nvPicPr>
           <p:cNvPr id="4" name="Picture 3">
@@ -54153,118 +55571,6 @@
     <p:extLst>
       <p:ext uri="{BB962C8B-B14F-4D97-AF65-F5344CB8AC3E}">
         <p14:creationId xmlns:p14="http://schemas.microsoft.com/office/powerpoint/2010/main" val="1749513430"/>
-      </p:ext>
-    </p:extLst>
-  </p:cSld>
-  <p:clrMapOvr>
-    <a:masterClrMapping/>
-  </p:clrMapOvr>
-</p:sld>
-</file>
-
-<file path=ppt/slides/slide9.xml><?xml version="1.0" encoding="utf-8"?>
-<p:sld xmlns:a="http://schemas.openxmlformats.org/drawingml/2006/main" xmlns:r="http://schemas.openxmlformats.org/officeDocument/2006/relationships" xmlns:p="http://schemas.openxmlformats.org/presentationml/2006/main">
-  <p:cSld>
-    <p:spTree>
-      <p:nvGrpSpPr>
-        <p:cNvPr id="1" name=""/>
-        <p:cNvGrpSpPr/>
-        <p:nvPr/>
-      </p:nvGrpSpPr>
-      <p:grpSpPr>
-        <a:xfrm>
-          <a:off x="0" y="0"/>
-          <a:ext cx="0" cy="0"/>
-          <a:chOff x="0" y="0"/>
-          <a:chExt cx="0" cy="0"/>
-        </a:xfrm>
-      </p:grpSpPr>
-      <p:sp>
-        <p:nvSpPr>
-          <p:cNvPr id="3" name="TextBox 2">
-            <a:extLst>
-              <a:ext uri="{FF2B5EF4-FFF2-40B4-BE49-F238E27FC236}">
-                <a16:creationId xmlns:a16="http://schemas.microsoft.com/office/drawing/2014/main" id="{D08EF213-E1E4-AE71-2BB0-3C2499AFA28A}"/>
-              </a:ext>
-            </a:extLst>
-          </p:cNvPr>
-          <p:cNvSpPr txBox="1"/>
-          <p:nvPr/>
-        </p:nvSpPr>
-        <p:spPr>
-          <a:xfrm>
-            <a:off x="3399555" y="996062"/>
-            <a:ext cx="5189690" cy="446276"/>
-          </a:xfrm>
-          <a:prstGeom prst="rect">
-            <a:avLst/>
-          </a:prstGeom>
-          <a:noFill/>
-        </p:spPr>
-        <p:txBody>
-          <a:bodyPr wrap="none" rtlCol="0">
-            <a:spAutoFit/>
-          </a:bodyPr>
-          <a:lstStyle/>
-          <a:p>
-            <a:r>
-              <a:rPr lang="en-BR" sz="2300" dirty="0"/>
-              <a:t>Estratégias de recuperação de desastre</a:t>
-            </a:r>
-          </a:p>
-        </p:txBody>
-      </p:sp>
-      <p:pic>
-        <p:nvPicPr>
-          <p:cNvPr id="3074" name="Picture 2" descr="Data loss is measured from most recent backup (your recovery point) to the point of disaster. Downtime is measured from the point of disaster until the target is fully recovered and available for service.">
-            <a:extLst>
-              <a:ext uri="{FF2B5EF4-FFF2-40B4-BE49-F238E27FC236}">
-                <a16:creationId xmlns:a16="http://schemas.microsoft.com/office/drawing/2014/main" id="{A62EC7B6-5ED8-A059-D8DA-7F68F0C3955B}"/>
-              </a:ext>
-            </a:extLst>
-          </p:cNvPr>
-          <p:cNvPicPr>
-            <a:picLocks noChangeAspect="1" noChangeArrowheads="1"/>
-          </p:cNvPicPr>
-          <p:nvPr/>
-        </p:nvPicPr>
-        <p:blipFill>
-          <a:blip r:embed="rId2">
-            <a:extLst>
-              <a:ext uri="{28A0092B-C50C-407E-A947-70E740481C1C}">
-                <a14:useLocalDpi xmlns:a14="http://schemas.microsoft.com/office/drawing/2010/main" val="0"/>
-              </a:ext>
-            </a:extLst>
-          </a:blip>
-          <a:srcRect/>
-          <a:stretch>
-            <a:fillRect/>
-          </a:stretch>
-        </p:blipFill>
-        <p:spPr bwMode="auto">
-          <a:xfrm>
-            <a:off x="2184400" y="2336800"/>
-            <a:ext cx="7620000" cy="3200400"/>
-          </a:xfrm>
-          <a:prstGeom prst="rect">
-            <a:avLst/>
-          </a:prstGeom>
-          <a:noFill/>
-          <a:extLst>
-            <a:ext uri="{909E8E84-426E-40DD-AFC4-6F175D3DCCD1}">
-              <a14:hiddenFill xmlns:a14="http://schemas.microsoft.com/office/drawing/2010/main">
-                <a:solidFill>
-                  <a:srgbClr val="FFFFFF"/>
-                </a:solidFill>
-              </a14:hiddenFill>
-            </a:ext>
-          </a:extLst>
-        </p:spPr>
-      </p:pic>
-    </p:spTree>
-    <p:extLst>
-      <p:ext uri="{BB962C8B-B14F-4D97-AF65-F5344CB8AC3E}">
-        <p14:creationId xmlns:p14="http://schemas.microsoft.com/office/powerpoint/2010/main" val="3719524393"/>
       </p:ext>
     </p:extLst>
   </p:cSld>
